--- a/0-Final-Project-Overview.pptx
+++ b/0-Final-Project-Overview.pptx
@@ -5,20 +5,22 @@
     <p:sldMasterId id="2147483772" r:id="rId2"/>
   </p:sldMasterIdLst>
   <p:notesMasterIdLst>
-    <p:notesMasterId r:id="rId11"/>
+    <p:notesMasterId r:id="rId13"/>
   </p:notesMasterIdLst>
   <p:handoutMasterIdLst>
-    <p:handoutMasterId r:id="rId12"/>
+    <p:handoutMasterId r:id="rId14"/>
   </p:handoutMasterIdLst>
   <p:sldIdLst>
     <p:sldId id="632" r:id="rId3"/>
     <p:sldId id="640" r:id="rId4"/>
-    <p:sldId id="639" r:id="rId5"/>
-    <p:sldId id="638" r:id="rId6"/>
-    <p:sldId id="634" r:id="rId7"/>
-    <p:sldId id="635" r:id="rId8"/>
-    <p:sldId id="636" r:id="rId9"/>
-    <p:sldId id="637" r:id="rId10"/>
+    <p:sldId id="642" r:id="rId5"/>
+    <p:sldId id="641" r:id="rId6"/>
+    <p:sldId id="639" r:id="rId7"/>
+    <p:sldId id="638" r:id="rId8"/>
+    <p:sldId id="634" r:id="rId9"/>
+    <p:sldId id="635" r:id="rId10"/>
+    <p:sldId id="636" r:id="rId11"/>
+    <p:sldId id="637" r:id="rId12"/>
   </p:sldIdLst>
   <p:sldSz cx="12190413" cy="6859588"/>
   <p:notesSz cx="6858000" cy="9144000"/>
@@ -11385,7 +11387,7 @@
           <a:p>
             <a:fld id="{A64D9B6F-F621-4A62-84F4-5FFAE9A4C545}" type="datetimeFigureOut">
               <a:rPr lang="en-GB" smtClean="0"/>
-              <a:t>28/02/2021</a:t>
+              <a:t>06/03/2021</a:t>
             </a:fld>
             <a:endParaRPr lang="en-GB"/>
           </a:p>
@@ -11550,7 +11552,7 @@
           <a:p>
             <a:fld id="{7D789E00-45B7-44B8-8E59-84DE0BD71A0D}" type="datetimeFigureOut">
               <a:rPr lang="de-DE" smtClean="0"/>
-              <a:t>28.02.2021</a:t>
+              <a:t>06.03.2021</a:t>
             </a:fld>
             <a:endParaRPr lang="de-DE"/>
           </a:p>
@@ -12050,7 +12052,7 @@
           <a:p>
             <a:fld id="{1153D9D2-4109-4658-A169-3AF16B615417}" type="datetime5">
               <a:rPr lang="en-US" smtClean="0"/>
-              <a:t>28-Feb-21</a:t>
+              <a:t>6-Mar-21</a:t>
             </a:fld>
             <a:endParaRPr lang="en-GB"/>
           </a:p>
@@ -12256,7 +12258,7 @@
           <a:p>
             <a:fld id="{1153D9D2-4109-4658-A169-3AF16B615417}" type="datetime5">
               <a:rPr lang="en-US" smtClean="0"/>
-              <a:t>28-Feb-21</a:t>
+              <a:t>6-Mar-21</a:t>
             </a:fld>
             <a:endParaRPr lang="en-GB"/>
           </a:p>
@@ -12472,7 +12474,7 @@
           <a:p>
             <a:fld id="{1153D9D2-4109-4658-A169-3AF16B615417}" type="datetime5">
               <a:rPr lang="en-US" smtClean="0"/>
-              <a:t>28-Feb-21</a:t>
+              <a:t>6-Mar-21</a:t>
             </a:fld>
             <a:endParaRPr lang="en-GB"/>
           </a:p>
@@ -12982,7 +12984,7 @@
           <a:p>
             <a:fld id="{1153D9D2-4109-4658-A169-3AF16B615417}" type="datetime5">
               <a:rPr lang="en-US" smtClean="0"/>
-              <a:t>28-Feb-21</a:t>
+              <a:t>6-Mar-21</a:t>
             </a:fld>
             <a:endParaRPr lang="en-GB"/>
           </a:p>
@@ -13175,7 +13177,7 @@
           <a:p>
             <a:fld id="{1153D9D2-4109-4658-A169-3AF16B615417}" type="datetime5">
               <a:rPr lang="en-US" smtClean="0"/>
-              <a:t>28-Feb-21</a:t>
+              <a:t>6-Mar-21</a:t>
             </a:fld>
             <a:endParaRPr lang="en-GB"/>
           </a:p>
@@ -13457,7 +13459,7 @@
           <a:p>
             <a:fld id="{1153D9D2-4109-4658-A169-3AF16B615417}" type="datetime5">
               <a:rPr lang="en-US" smtClean="0"/>
-              <a:t>28-Feb-21</a:t>
+              <a:t>6-Mar-21</a:t>
             </a:fld>
             <a:endParaRPr lang="en-GB"/>
           </a:p>
@@ -13731,7 +13733,7 @@
           <a:p>
             <a:fld id="{1153D9D2-4109-4658-A169-3AF16B615417}" type="datetime5">
               <a:rPr lang="en-US" smtClean="0"/>
-              <a:t>28-Feb-21</a:t>
+              <a:t>6-Mar-21</a:t>
             </a:fld>
             <a:endParaRPr lang="en-GB"/>
           </a:p>
@@ -14152,7 +14154,7 @@
           <a:p>
             <a:fld id="{1153D9D2-4109-4658-A169-3AF16B615417}" type="datetime5">
               <a:rPr lang="en-US" smtClean="0"/>
-              <a:t>28-Feb-21</a:t>
+              <a:t>6-Mar-21</a:t>
             </a:fld>
             <a:endParaRPr lang="en-GB"/>
           </a:p>
@@ -14300,7 +14302,7 @@
           <a:p>
             <a:fld id="{1153D9D2-4109-4658-A169-3AF16B615417}" type="datetime5">
               <a:rPr lang="en-US" smtClean="0"/>
-              <a:t>28-Feb-21</a:t>
+              <a:t>6-Mar-21</a:t>
             </a:fld>
             <a:endParaRPr lang="en-GB"/>
           </a:p>
@@ -14419,7 +14421,7 @@
           <a:p>
             <a:fld id="{1153D9D2-4109-4658-A169-3AF16B615417}" type="datetime5">
               <a:rPr lang="en-US" smtClean="0"/>
-              <a:t>28-Feb-21</a:t>
+              <a:t>6-Mar-21</a:t>
             </a:fld>
             <a:endParaRPr lang="en-GB"/>
           </a:p>
@@ -14738,7 +14740,7 @@
           <a:p>
             <a:fld id="{1153D9D2-4109-4658-A169-3AF16B615417}" type="datetime5">
               <a:rPr lang="en-US" smtClean="0"/>
-              <a:t>28-Feb-21</a:t>
+              <a:t>6-Mar-21</a:t>
             </a:fld>
             <a:endParaRPr lang="en-GB"/>
           </a:p>
@@ -15033,7 +15035,7 @@
           <a:p>
             <a:fld id="{1153D9D2-4109-4658-A169-3AF16B615417}" type="datetime5">
               <a:rPr lang="en-US" smtClean="0"/>
-              <a:t>28-Feb-21</a:t>
+              <a:t>6-Mar-21</a:t>
             </a:fld>
             <a:endParaRPr lang="en-GB"/>
           </a:p>
@@ -15282,7 +15284,7 @@
           <a:p>
             <a:fld id="{1153D9D2-4109-4658-A169-3AF16B615417}" type="datetime5">
               <a:rPr lang="en-US" smtClean="0"/>
-              <a:t>28-Feb-21</a:t>
+              <a:t>6-Mar-21</a:t>
             </a:fld>
             <a:endParaRPr lang="en-GB"/>
           </a:p>
@@ -15911,6 +15913,173 @@
 </p:sld>
 </file>
 
+<file path=ppt/slides/slide10.xml><?xml version="1.0" encoding="utf-8"?>
+<p:sld xmlns:a="http://schemas.openxmlformats.org/drawingml/2006/main" xmlns:r="http://schemas.openxmlformats.org/officeDocument/2006/relationships" xmlns:p="http://schemas.openxmlformats.org/presentationml/2006/main">
+  <p:cSld>
+    <p:spTree>
+      <p:nvGrpSpPr>
+        <p:cNvPr id="1" name=""/>
+        <p:cNvGrpSpPr/>
+        <p:nvPr/>
+      </p:nvGrpSpPr>
+      <p:grpSpPr>
+        <a:xfrm>
+          <a:off x="0" y="0"/>
+          <a:ext cx="0" cy="0"/>
+          <a:chOff x="0" y="0"/>
+          <a:chExt cx="0" cy="0"/>
+        </a:xfrm>
+      </p:grpSpPr>
+      <p:sp>
+        <p:nvSpPr>
+          <p:cNvPr id="2" name="Text Placeholder 1">
+            <a:extLst>
+              <a:ext uri="{FF2B5EF4-FFF2-40B4-BE49-F238E27FC236}">
+                <a16:creationId xmlns:a16="http://schemas.microsoft.com/office/drawing/2014/main" id="{4734CF06-6B9B-4D73-918E-192D15235CED}"/>
+              </a:ext>
+            </a:extLst>
+          </p:cNvPr>
+          <p:cNvSpPr>
+            <a:spLocks noGrp="1"/>
+          </p:cNvSpPr>
+          <p:nvPr>
+            <p:ph type="body" sz="quarter" idx="18"/>
+          </p:nvPr>
+        </p:nvSpPr>
+        <p:spPr/>
+        <p:txBody>
+          <a:bodyPr/>
+          <a:lstStyle/>
+          <a:p>
+            <a:endParaRPr lang="en-ID"/>
+          </a:p>
+        </p:txBody>
+      </p:sp>
+      <p:sp>
+        <p:nvSpPr>
+          <p:cNvPr id="3" name="Title 2">
+            <a:extLst>
+              <a:ext uri="{FF2B5EF4-FFF2-40B4-BE49-F238E27FC236}">
+                <a16:creationId xmlns:a16="http://schemas.microsoft.com/office/drawing/2014/main" id="{A2304FDE-82C8-40EF-A43A-CD5D080145B8}"/>
+              </a:ext>
+            </a:extLst>
+          </p:cNvPr>
+          <p:cNvSpPr>
+            <a:spLocks noGrp="1"/>
+          </p:cNvSpPr>
+          <p:nvPr>
+            <p:ph type="title"/>
+          </p:nvPr>
+        </p:nvSpPr>
+        <p:spPr/>
+        <p:txBody>
+          <a:bodyPr/>
+          <a:lstStyle/>
+          <a:p>
+            <a:r>
+              <a:rPr lang="en-ID" b="1" dirty="0"/>
+              <a:t>LEARNING CYCLE</a:t>
+            </a:r>
+          </a:p>
+        </p:txBody>
+      </p:sp>
+      <p:sp>
+        <p:nvSpPr>
+          <p:cNvPr id="4" name="Text Placeholder 3">
+            <a:extLst>
+              <a:ext uri="{FF2B5EF4-FFF2-40B4-BE49-F238E27FC236}">
+                <a16:creationId xmlns:a16="http://schemas.microsoft.com/office/drawing/2014/main" id="{FD8E5FD6-7DD3-40E3-8CF0-15038BE5E7E1}"/>
+              </a:ext>
+            </a:extLst>
+          </p:cNvPr>
+          <p:cNvSpPr>
+            <a:spLocks noGrp="1"/>
+          </p:cNvSpPr>
+          <p:nvPr>
+            <p:ph type="body" sz="quarter" idx="17"/>
+          </p:nvPr>
+        </p:nvSpPr>
+        <p:spPr/>
+        <p:txBody>
+          <a:bodyPr>
+            <a:normAutofit fontScale="47500" lnSpcReduction="20000"/>
+          </a:bodyPr>
+          <a:lstStyle/>
+          <a:p>
+            <a:endParaRPr lang="en-ID"/>
+          </a:p>
+        </p:txBody>
+      </p:sp>
+      <p:sp>
+        <p:nvSpPr>
+          <p:cNvPr id="5" name="Date Placeholder 4">
+            <a:extLst>
+              <a:ext uri="{FF2B5EF4-FFF2-40B4-BE49-F238E27FC236}">
+                <a16:creationId xmlns:a16="http://schemas.microsoft.com/office/drawing/2014/main" id="{646DD949-7311-4FF2-B7F2-E496C277982E}"/>
+              </a:ext>
+            </a:extLst>
+          </p:cNvPr>
+          <p:cNvSpPr>
+            <a:spLocks noGrp="1"/>
+          </p:cNvSpPr>
+          <p:nvPr>
+            <p:ph type="dt" sz="half" idx="19"/>
+          </p:nvPr>
+        </p:nvSpPr>
+        <p:spPr/>
+        <p:txBody>
+          <a:bodyPr/>
+          <a:lstStyle/>
+          <a:p>
+            <a:fld id="{1153D9D2-4109-4658-A169-3AF16B615417}" type="datetime5">
+              <a:rPr lang="en-US" smtClean="0"/>
+              <a:t>6-Mar-21</a:t>
+            </a:fld>
+            <a:endParaRPr lang="en-GB"/>
+          </a:p>
+        </p:txBody>
+      </p:sp>
+      <p:graphicFrame>
+        <p:nvGraphicFramePr>
+          <p:cNvPr id="8" name="Diagram 7">
+            <a:extLst>
+              <a:ext uri="{FF2B5EF4-FFF2-40B4-BE49-F238E27FC236}">
+                <a16:creationId xmlns:a16="http://schemas.microsoft.com/office/drawing/2014/main" id="{EB1FD640-BACA-4C5E-BF1D-A8BBCAB12E86}"/>
+              </a:ext>
+            </a:extLst>
+          </p:cNvPr>
+          <p:cNvGraphicFramePr/>
+          <p:nvPr>
+            <p:extLst>
+              <p:ext uri="{D42A27DB-BD31-4B8C-83A1-F6EECF244321}">
+                <p14:modId xmlns:p14="http://schemas.microsoft.com/office/powerpoint/2010/main" val="3934171468"/>
+              </p:ext>
+            </p:extLst>
+          </p:nvPr>
+        </p:nvGraphicFramePr>
+        <p:xfrm>
+          <a:off x="2030942" y="1181277"/>
+          <a:ext cx="8126942" cy="5417961"/>
+        </p:xfrm>
+        <a:graphic>
+          <a:graphicData uri="http://schemas.openxmlformats.org/drawingml/2006/diagram">
+            <dgm:relIds xmlns:dgm="http://schemas.openxmlformats.org/drawingml/2006/diagram" xmlns:r="http://schemas.openxmlformats.org/officeDocument/2006/relationships" r:dm="rId2" r:lo="rId3" r:qs="rId4" r:cs="rId5"/>
+          </a:graphicData>
+        </a:graphic>
+      </p:graphicFrame>
+    </p:spTree>
+    <p:extLst>
+      <p:ext uri="{BB962C8B-B14F-4D97-AF65-F5344CB8AC3E}">
+        <p14:creationId xmlns:p14="http://schemas.microsoft.com/office/powerpoint/2010/main" val="1073113951"/>
+      </p:ext>
+    </p:extLst>
+  </p:cSld>
+  <p:clrMapOvr>
+    <a:masterClrMapping/>
+  </p:clrMapOvr>
+</p:sld>
+</file>
+
 <file path=ppt/slides/slide2.xml><?xml version="1.0" encoding="utf-8"?>
 <p:sld xmlns:a="http://schemas.openxmlformats.org/drawingml/2006/main" xmlns:r="http://schemas.openxmlformats.org/officeDocument/2006/relationships" xmlns:p="http://schemas.openxmlformats.org/presentationml/2006/main">
   <p:cSld>
@@ -15976,7 +16145,7 @@
           <a:p>
             <a:r>
               <a:rPr lang="en-ID" b="1" dirty="0"/>
-              <a:t>PROTOTYPE</a:t>
+              <a:t>PROBLEM FORMULATION</a:t>
             </a:r>
           </a:p>
         </p:txBody>
@@ -16024,14 +16193,1382 @@
             <p:ph type="dt" sz="half" idx="19"/>
           </p:nvPr>
         </p:nvSpPr>
+        <p:spPr>
+          <a:xfrm>
+            <a:off x="838091" y="6493584"/>
+            <a:ext cx="2742843" cy="365210"/>
+          </a:xfrm>
+        </p:spPr>
+        <p:txBody>
+          <a:bodyPr/>
+          <a:lstStyle/>
+          <a:p>
+            <a:fld id="{1153D9D2-4109-4658-A169-3AF16B615417}" type="datetime5">
+              <a:rPr lang="en-US" smtClean="0"/>
+              <a:t>6-Mar-21</a:t>
+            </a:fld>
+            <a:endParaRPr lang="en-GB" dirty="0"/>
+          </a:p>
+        </p:txBody>
+      </p:sp>
+      <p:sp>
+        <p:nvSpPr>
+          <p:cNvPr id="7" name="Slide Number Placeholder 6">
+            <a:extLst>
+              <a:ext uri="{FF2B5EF4-FFF2-40B4-BE49-F238E27FC236}">
+                <a16:creationId xmlns:a16="http://schemas.microsoft.com/office/drawing/2014/main" id="{DDA91D66-266E-42AF-886F-436FB8FF0E78}"/>
+              </a:ext>
+            </a:extLst>
+          </p:cNvPr>
+          <p:cNvSpPr>
+            <a:spLocks noGrp="1"/>
+          </p:cNvSpPr>
+          <p:nvPr>
+            <p:ph type="sldNum" sz="quarter" idx="21"/>
+          </p:nvPr>
+        </p:nvSpPr>
+        <p:spPr>
+          <a:xfrm>
+            <a:off x="8609479" y="6493584"/>
+            <a:ext cx="2742843" cy="365210"/>
+          </a:xfrm>
+        </p:spPr>
+        <p:txBody>
+          <a:bodyPr/>
+          <a:lstStyle/>
+          <a:p>
+            <a:fld id="{61201FF1-C63B-412E-ABF0-3D0E918900AC}" type="slidenum">
+              <a:rPr lang="en-GB" smtClean="0"/>
+              <a:pPr/>
+              <a:t>2</a:t>
+            </a:fld>
+            <a:endParaRPr lang="en-GB" dirty="0"/>
+          </a:p>
+        </p:txBody>
+      </p:sp>
+      <p:sp>
+        <p:nvSpPr>
+          <p:cNvPr id="26" name="Rechteck 73">
+            <a:extLst>
+              <a:ext uri="{FF2B5EF4-FFF2-40B4-BE49-F238E27FC236}">
+                <a16:creationId xmlns:a16="http://schemas.microsoft.com/office/drawing/2014/main" id="{14F13CDA-7A42-40C1-9F0A-A891747CFA78}"/>
+              </a:ext>
+            </a:extLst>
+          </p:cNvPr>
+          <p:cNvSpPr/>
+          <p:nvPr/>
+        </p:nvSpPr>
+        <p:spPr>
+          <a:xfrm>
+            <a:off x="514350" y="948325"/>
+            <a:ext cx="856456" cy="1880118"/>
+          </a:xfrm>
+          <a:prstGeom prst="rect">
+            <a:avLst/>
+          </a:prstGeom>
+          <a:solidFill>
+            <a:srgbClr val="D6D4D7"/>
+          </a:solidFill>
+          <a:ln>
+            <a:noFill/>
+          </a:ln>
+        </p:spPr>
+        <p:style>
+          <a:lnRef idx="2">
+            <a:schemeClr val="accent1">
+              <a:shade val="50000"/>
+            </a:schemeClr>
+          </a:lnRef>
+          <a:fillRef idx="1">
+            <a:schemeClr val="accent1"/>
+          </a:fillRef>
+          <a:effectRef idx="0">
+            <a:schemeClr val="accent1"/>
+          </a:effectRef>
+          <a:fontRef idx="minor">
+            <a:schemeClr val="lt1"/>
+          </a:fontRef>
+        </p:style>
+        <p:txBody>
+          <a:bodyPr rtlCol="0" anchor="ctr"/>
+          <a:lstStyle/>
+          <a:p>
+            <a:pPr algn="ctr"/>
+            <a:r>
+              <a:rPr lang="de-AT" sz="1000" b="1" dirty="0">
+                <a:solidFill>
+                  <a:schemeClr val="tx2"/>
+                </a:solidFill>
+              </a:rPr>
+              <a:t>Background</a:t>
+            </a:r>
+          </a:p>
+        </p:txBody>
+      </p:sp>
+      <p:sp>
+        <p:nvSpPr>
+          <p:cNvPr id="30" name="Rechteck 76">
+            <a:extLst>
+              <a:ext uri="{FF2B5EF4-FFF2-40B4-BE49-F238E27FC236}">
+                <a16:creationId xmlns:a16="http://schemas.microsoft.com/office/drawing/2014/main" id="{402F1EE6-DFF3-4CAC-8ACE-AEAC21C46F33}"/>
+              </a:ext>
+            </a:extLst>
+          </p:cNvPr>
+          <p:cNvSpPr/>
+          <p:nvPr/>
+        </p:nvSpPr>
+        <p:spPr>
+          <a:xfrm>
+            <a:off x="1447006" y="948326"/>
+            <a:ext cx="10591800" cy="1880118"/>
+          </a:xfrm>
+          <a:prstGeom prst="rect">
+            <a:avLst/>
+          </a:prstGeom>
+          <a:solidFill>
+            <a:srgbClr val="D6D4D7"/>
+          </a:solidFill>
+          <a:ln>
+            <a:noFill/>
+          </a:ln>
+        </p:spPr>
+        <p:style>
+          <a:lnRef idx="2">
+            <a:schemeClr val="accent1">
+              <a:shade val="50000"/>
+            </a:schemeClr>
+          </a:lnRef>
+          <a:fillRef idx="1">
+            <a:schemeClr val="accent1"/>
+          </a:fillRef>
+          <a:effectRef idx="0">
+            <a:schemeClr val="accent1"/>
+          </a:effectRef>
+          <a:fontRef idx="minor">
+            <a:schemeClr val="lt1"/>
+          </a:fontRef>
+        </p:style>
+        <p:txBody>
+          <a:bodyPr rtlCol="0" anchor="ctr"/>
+          <a:lstStyle/>
+          <a:p>
+            <a:pPr marL="285750" indent="-285750" fontAlgn="base">
+              <a:buFont typeface="Arial" panose="020B0604020202020204" pitchFamily="34" charset="0"/>
+              <a:buChar char="•"/>
+            </a:pPr>
+            <a:r>
+              <a:rPr lang="en-US" sz="1100" dirty="0">
+                <a:solidFill>
+                  <a:srgbClr val="49648C"/>
+                </a:solidFill>
+              </a:rPr>
+              <a:t>Based on Risk Management, Reputational Risk is one of risks that can potentially lead a company to have bad image amidst the public. </a:t>
+            </a:r>
+          </a:p>
+          <a:p>
+            <a:pPr marL="285750" indent="-285750" fontAlgn="base">
+              <a:buFont typeface="Arial" panose="020B0604020202020204" pitchFamily="34" charset="0"/>
+              <a:buChar char="•"/>
+            </a:pPr>
+            <a:r>
+              <a:rPr lang="en-US" sz="1100" dirty="0">
+                <a:solidFill>
+                  <a:srgbClr val="49648C"/>
+                </a:solidFill>
+              </a:rPr>
+              <a:t>The cause and trigger of the Reputational Risk may be varied. It can be from customers’ complaints, public’s review, hoax, false information about products/service/job vacancy and the likes. </a:t>
+            </a:r>
+          </a:p>
+          <a:p>
+            <a:pPr marL="285750" indent="-285750" fontAlgn="base">
+              <a:buFont typeface="Arial" panose="020B0604020202020204" pitchFamily="34" charset="0"/>
+              <a:buChar char="•"/>
+            </a:pPr>
+            <a:r>
+              <a:rPr lang="en-US" sz="1100" dirty="0">
+                <a:solidFill>
+                  <a:srgbClr val="49648C"/>
+                </a:solidFill>
+              </a:rPr>
+              <a:t>It becomes Reputational Risk if those conversation/information is published/blew up/disclosed in public forums which are mostly on online platform such as online news portal, online forum or social media. </a:t>
+            </a:r>
+          </a:p>
+          <a:p>
+            <a:pPr marL="285750" indent="-285750" fontAlgn="base">
+              <a:buFont typeface="Arial" panose="020B0604020202020204" pitchFamily="34" charset="0"/>
+              <a:buChar char="•"/>
+            </a:pPr>
+            <a:r>
+              <a:rPr lang="en-US" sz="1100" dirty="0">
+                <a:solidFill>
+                  <a:srgbClr val="49648C"/>
+                </a:solidFill>
+              </a:rPr>
+              <a:t>If it happens this eventually triggers to bigger problem such as customer’s distrust, internal conflicts, litigation and also business activities decrease (business loss).</a:t>
+            </a:r>
+          </a:p>
+          <a:p>
+            <a:pPr marL="285750" indent="-285750" fontAlgn="base">
+              <a:buFont typeface="Arial" panose="020B0604020202020204" pitchFamily="34" charset="0"/>
+              <a:buChar char="•"/>
+            </a:pPr>
+            <a:r>
+              <a:rPr lang="en-US" sz="1100" dirty="0">
+                <a:solidFill>
+                  <a:srgbClr val="49648C"/>
+                </a:solidFill>
+              </a:rPr>
+              <a:t>Reputational Risk is the responsibility of all Company’s elements from management to employment. In daily business, this specifically becomes the responsibility of a  cross-departments task force consisting of </a:t>
+            </a:r>
+            <a:r>
+              <a:rPr lang="en-US" sz="1100" dirty="0" err="1">
+                <a:solidFill>
+                  <a:srgbClr val="49648C"/>
+                </a:solidFill>
+              </a:rPr>
+              <a:t>Corp.Comm</a:t>
+            </a:r>
+            <a:r>
+              <a:rPr lang="en-US" sz="1100" dirty="0">
+                <a:solidFill>
+                  <a:srgbClr val="49648C"/>
+                </a:solidFill>
+              </a:rPr>
+              <a:t> Unit, Legal Unit, Customer Relation Unit, Risk Management Unit, and BCM Unit.</a:t>
+            </a:r>
+          </a:p>
+          <a:p>
+            <a:pPr marL="285750" indent="-285750" fontAlgn="base">
+              <a:buFont typeface="Arial" panose="020B0604020202020204" pitchFamily="34" charset="0"/>
+              <a:buChar char="•"/>
+            </a:pPr>
+            <a:r>
+              <a:rPr lang="en-US" sz="1100" dirty="0">
+                <a:solidFill>
+                  <a:srgbClr val="49648C"/>
+                </a:solidFill>
+              </a:rPr>
+              <a:t>Risks cannot be omitted but it can be reduced in terms of adverse impacts to the Company. One of the effective ways is by anticipating the root cause/trigger as early as possible so the task force has an opportunity to prepare the mitigation and strategy to overcome the adverse impacts that may arise.</a:t>
+            </a:r>
+          </a:p>
+          <a:p>
+            <a:pPr marL="285750" indent="-285750" fontAlgn="base">
+              <a:buFont typeface="Arial" panose="020B0604020202020204" pitchFamily="34" charset="0"/>
+              <a:buChar char="•"/>
+            </a:pPr>
+            <a:r>
+              <a:rPr lang="en-US" sz="1100" dirty="0">
+                <a:solidFill>
+                  <a:srgbClr val="49648C"/>
+                </a:solidFill>
+              </a:rPr>
+              <a:t>Online Sentiment Detector is present to provide the solution to early detection of Reputational Risks’ cause/trigger, particularly in online media.</a:t>
+            </a:r>
+          </a:p>
+        </p:txBody>
+      </p:sp>
+      <p:sp>
+        <p:nvSpPr>
+          <p:cNvPr id="34" name="Rechteck 73">
+            <a:extLst>
+              <a:ext uri="{FF2B5EF4-FFF2-40B4-BE49-F238E27FC236}">
+                <a16:creationId xmlns:a16="http://schemas.microsoft.com/office/drawing/2014/main" id="{7B909A11-AF8D-4BBD-8B27-07A3421315BB}"/>
+              </a:ext>
+            </a:extLst>
+          </p:cNvPr>
+          <p:cNvSpPr/>
+          <p:nvPr/>
+        </p:nvSpPr>
+        <p:spPr>
+          <a:xfrm>
+            <a:off x="507934" y="2900808"/>
+            <a:ext cx="856456" cy="1268543"/>
+          </a:xfrm>
+          <a:prstGeom prst="rect">
+            <a:avLst/>
+          </a:prstGeom>
+          <a:solidFill>
+            <a:srgbClr val="D6D4D7"/>
+          </a:solidFill>
+          <a:ln>
+            <a:noFill/>
+          </a:ln>
+        </p:spPr>
+        <p:style>
+          <a:lnRef idx="2">
+            <a:schemeClr val="accent1">
+              <a:shade val="50000"/>
+            </a:schemeClr>
+          </a:lnRef>
+          <a:fillRef idx="1">
+            <a:schemeClr val="accent1"/>
+          </a:fillRef>
+          <a:effectRef idx="0">
+            <a:schemeClr val="accent1"/>
+          </a:effectRef>
+          <a:fontRef idx="minor">
+            <a:schemeClr val="lt1"/>
+          </a:fontRef>
+        </p:style>
+        <p:txBody>
+          <a:bodyPr rtlCol="0" anchor="ctr"/>
+          <a:lstStyle/>
+          <a:p>
+            <a:pPr algn="ctr"/>
+            <a:r>
+              <a:rPr lang="de-AT" sz="1000" b="1" dirty="0">
+                <a:solidFill>
+                  <a:schemeClr val="tx2"/>
+                </a:solidFill>
+              </a:rPr>
+              <a:t>Why?</a:t>
+            </a:r>
+          </a:p>
+        </p:txBody>
+      </p:sp>
+      <p:sp>
+        <p:nvSpPr>
+          <p:cNvPr id="35" name="Rechteck 76">
+            <a:extLst>
+              <a:ext uri="{FF2B5EF4-FFF2-40B4-BE49-F238E27FC236}">
+                <a16:creationId xmlns:a16="http://schemas.microsoft.com/office/drawing/2014/main" id="{FAB04FE8-4BF7-4BE0-A0A7-8440E9D6CE3C}"/>
+              </a:ext>
+            </a:extLst>
+          </p:cNvPr>
+          <p:cNvSpPr/>
+          <p:nvPr/>
+        </p:nvSpPr>
+        <p:spPr>
+          <a:xfrm>
+            <a:off x="1447006" y="2896394"/>
+            <a:ext cx="10591800" cy="1272957"/>
+          </a:xfrm>
+          <a:prstGeom prst="rect">
+            <a:avLst/>
+          </a:prstGeom>
+          <a:solidFill>
+            <a:srgbClr val="D6D4D7"/>
+          </a:solidFill>
+          <a:ln>
+            <a:noFill/>
+          </a:ln>
+        </p:spPr>
+        <p:style>
+          <a:lnRef idx="2">
+            <a:schemeClr val="accent1">
+              <a:shade val="50000"/>
+            </a:schemeClr>
+          </a:lnRef>
+          <a:fillRef idx="1">
+            <a:schemeClr val="accent1"/>
+          </a:fillRef>
+          <a:effectRef idx="0">
+            <a:schemeClr val="accent1"/>
+          </a:effectRef>
+          <a:fontRef idx="minor">
+            <a:schemeClr val="lt1"/>
+          </a:fontRef>
+        </p:style>
+        <p:txBody>
+          <a:bodyPr rtlCol="0" anchor="ctr"/>
+          <a:lstStyle/>
+          <a:p>
+            <a:pPr marL="285750" indent="-285750" fontAlgn="base">
+              <a:buFont typeface="Arial" panose="020B0604020202020204" pitchFamily="34" charset="0"/>
+              <a:buChar char="•"/>
+            </a:pPr>
+            <a:r>
+              <a:rPr lang="en-US" sz="1100" dirty="0">
+                <a:solidFill>
+                  <a:srgbClr val="49648C"/>
+                </a:solidFill>
+              </a:rPr>
+              <a:t>The amount conversations on online platform are very vast and mostly in the form of text. The related team may analyze those texts, but mostly they lack time and resources to check and review each conversation’s sentiment one by one.</a:t>
+            </a:r>
+          </a:p>
+          <a:p>
+            <a:pPr marL="285750" indent="-285750" fontAlgn="base">
+              <a:buFont typeface="Arial" panose="020B0604020202020204" pitchFamily="34" charset="0"/>
+              <a:buChar char="•"/>
+            </a:pPr>
+            <a:r>
+              <a:rPr lang="en-US" sz="1100" dirty="0">
+                <a:solidFill>
+                  <a:srgbClr val="49648C"/>
+                </a:solidFill>
+              </a:rPr>
+              <a:t>Therefore, Online Sentiment Detector is needed to help the team classifying those vast data more quickly and efficiently so they can focus on the quality of strategy to handle the risks. In addition, if the classification process is done manually, each team member’s subjectivity in labelling the sentiment may rise information bias and affect the decision-making process.</a:t>
+            </a:r>
+          </a:p>
+          <a:p>
+            <a:pPr marL="285750" indent="-285750" fontAlgn="base">
+              <a:buFont typeface="Arial" panose="020B0604020202020204" pitchFamily="34" charset="0"/>
+              <a:buChar char="•"/>
+            </a:pPr>
+            <a:r>
+              <a:rPr lang="en-US" sz="1100" dirty="0">
+                <a:solidFill>
+                  <a:srgbClr val="49648C"/>
+                </a:solidFill>
+              </a:rPr>
+              <a:t>Human’s subjectivity may be affected by individual’s background, education, perspective/point and also body stamina.</a:t>
+            </a:r>
+          </a:p>
+          <a:p>
+            <a:pPr marL="285750" indent="-285750" fontAlgn="base">
+              <a:buFont typeface="Arial" panose="020B0604020202020204" pitchFamily="34" charset="0"/>
+              <a:buChar char="•"/>
+            </a:pPr>
+            <a:r>
+              <a:rPr lang="en-US" sz="1100" dirty="0">
+                <a:solidFill>
+                  <a:srgbClr val="49648C"/>
+                </a:solidFill>
+              </a:rPr>
+              <a:t>In this case machine learning model (sentiment prediction) helps the manual classification process that is done by human.</a:t>
+            </a:r>
+          </a:p>
+        </p:txBody>
+      </p:sp>
+      <p:sp>
+        <p:nvSpPr>
+          <p:cNvPr id="36" name="Rechteck 73">
+            <a:extLst>
+              <a:ext uri="{FF2B5EF4-FFF2-40B4-BE49-F238E27FC236}">
+                <a16:creationId xmlns:a16="http://schemas.microsoft.com/office/drawing/2014/main" id="{F6AB7A65-8D12-4DF0-AC67-F03C2D42EF68}"/>
+              </a:ext>
+            </a:extLst>
+          </p:cNvPr>
+          <p:cNvSpPr/>
+          <p:nvPr/>
+        </p:nvSpPr>
+        <p:spPr>
+          <a:xfrm>
+            <a:off x="507934" y="4781203"/>
+            <a:ext cx="856456" cy="916395"/>
+          </a:xfrm>
+          <a:prstGeom prst="rect">
+            <a:avLst/>
+          </a:prstGeom>
+          <a:solidFill>
+            <a:srgbClr val="D6D4D7"/>
+          </a:solidFill>
+          <a:ln>
+            <a:noFill/>
+          </a:ln>
+        </p:spPr>
+        <p:style>
+          <a:lnRef idx="2">
+            <a:schemeClr val="accent1">
+              <a:shade val="50000"/>
+            </a:schemeClr>
+          </a:lnRef>
+          <a:fillRef idx="1">
+            <a:schemeClr val="accent1"/>
+          </a:fillRef>
+          <a:effectRef idx="0">
+            <a:schemeClr val="accent1"/>
+          </a:effectRef>
+          <a:fontRef idx="minor">
+            <a:schemeClr val="lt1"/>
+          </a:fontRef>
+        </p:style>
+        <p:txBody>
+          <a:bodyPr rtlCol="0" anchor="ctr"/>
+          <a:lstStyle/>
+          <a:p>
+            <a:pPr algn="ctr"/>
+            <a:r>
+              <a:rPr lang="de-AT" sz="1000" b="1" dirty="0">
+                <a:solidFill>
+                  <a:schemeClr val="tx2"/>
+                </a:solidFill>
+              </a:rPr>
+              <a:t>Positive Impacts</a:t>
+            </a:r>
+          </a:p>
+        </p:txBody>
+      </p:sp>
+      <p:sp>
+        <p:nvSpPr>
+          <p:cNvPr id="37" name="Rechteck 76">
+            <a:extLst>
+              <a:ext uri="{FF2B5EF4-FFF2-40B4-BE49-F238E27FC236}">
+                <a16:creationId xmlns:a16="http://schemas.microsoft.com/office/drawing/2014/main" id="{D319AC10-1B4C-4775-985A-0BB17F710C7D}"/>
+              </a:ext>
+            </a:extLst>
+          </p:cNvPr>
+          <p:cNvSpPr/>
+          <p:nvPr/>
+        </p:nvSpPr>
+        <p:spPr>
+          <a:xfrm>
+            <a:off x="1447006" y="4778951"/>
+            <a:ext cx="10591800" cy="904160"/>
+          </a:xfrm>
+          <a:prstGeom prst="rect">
+            <a:avLst/>
+          </a:prstGeom>
+          <a:solidFill>
+            <a:srgbClr val="D6D4D7"/>
+          </a:solidFill>
+          <a:ln>
+            <a:noFill/>
+          </a:ln>
+        </p:spPr>
+        <p:style>
+          <a:lnRef idx="2">
+            <a:schemeClr val="accent1">
+              <a:shade val="50000"/>
+            </a:schemeClr>
+          </a:lnRef>
+          <a:fillRef idx="1">
+            <a:schemeClr val="accent1"/>
+          </a:fillRef>
+          <a:effectRef idx="0">
+            <a:schemeClr val="accent1"/>
+          </a:effectRef>
+          <a:fontRef idx="minor">
+            <a:schemeClr val="lt1"/>
+          </a:fontRef>
+        </p:style>
+        <p:txBody>
+          <a:bodyPr rtlCol="0" anchor="ctr"/>
+          <a:lstStyle/>
+          <a:p>
+            <a:pPr marL="285750" indent="-285750" fontAlgn="base">
+              <a:buFont typeface="Arial" panose="020B0604020202020204" pitchFamily="34" charset="0"/>
+              <a:buChar char="•"/>
+            </a:pPr>
+            <a:r>
+              <a:rPr lang="en-US" sz="1100" dirty="0">
+                <a:solidFill>
+                  <a:srgbClr val="49648C"/>
+                </a:solidFill>
+              </a:rPr>
+              <a:t>The automation of process to identify and detect negative conversations and what topics are discussed</a:t>
+            </a:r>
+          </a:p>
+          <a:p>
+            <a:pPr marL="285750" indent="-285750" fontAlgn="base">
+              <a:buFont typeface="Arial" panose="020B0604020202020204" pitchFamily="34" charset="0"/>
+              <a:buChar char="•"/>
+            </a:pPr>
+            <a:r>
+              <a:rPr lang="en-US" sz="1100" dirty="0">
+                <a:solidFill>
+                  <a:srgbClr val="49648C"/>
+                </a:solidFill>
+              </a:rPr>
+              <a:t>The team can focus on handling and follow up negative conversations (customers’ complaint, hoax, negative campaign, and the likes)</a:t>
+            </a:r>
+          </a:p>
+          <a:p>
+            <a:pPr marL="285750" indent="-285750" fontAlgn="base">
+              <a:buFont typeface="Arial" panose="020B0604020202020204" pitchFamily="34" charset="0"/>
+              <a:buChar char="•"/>
+            </a:pPr>
+            <a:r>
+              <a:rPr lang="en-US" sz="1100" dirty="0">
+                <a:solidFill>
+                  <a:srgbClr val="49648C"/>
+                </a:solidFill>
+              </a:rPr>
+              <a:t>Reducing the potential business loss since the root cause can be mitigated earlier (compared to real cases -&gt; an insurance agent publish a content that attacks an association, this leads the insurance company to spend budget for resolution process including negotiation and compensation to the association)</a:t>
+            </a:r>
+          </a:p>
+          <a:p>
+            <a:pPr marL="285750" indent="-285750" fontAlgn="base">
+              <a:buFont typeface="Arial" panose="020B0604020202020204" pitchFamily="34" charset="0"/>
+              <a:buChar char="•"/>
+            </a:pPr>
+            <a:r>
+              <a:rPr lang="en-US" sz="1100" dirty="0">
+                <a:solidFill>
+                  <a:srgbClr val="49648C"/>
+                </a:solidFill>
+              </a:rPr>
+              <a:t>Company can save budget for hiring agency that provide this service since now the company can set up its own system ( save up to Rp 500 M per year)</a:t>
+            </a:r>
+          </a:p>
+        </p:txBody>
+      </p:sp>
+      <p:sp>
+        <p:nvSpPr>
+          <p:cNvPr id="38" name="Rechteck 73">
+            <a:extLst>
+              <a:ext uri="{FF2B5EF4-FFF2-40B4-BE49-F238E27FC236}">
+                <a16:creationId xmlns:a16="http://schemas.microsoft.com/office/drawing/2014/main" id="{5B309373-B9C0-4322-9776-DD969712A85E}"/>
+              </a:ext>
+            </a:extLst>
+          </p:cNvPr>
+          <p:cNvSpPr/>
+          <p:nvPr/>
+        </p:nvSpPr>
+        <p:spPr>
+          <a:xfrm>
+            <a:off x="507934" y="4240766"/>
+            <a:ext cx="856456" cy="470520"/>
+          </a:xfrm>
+          <a:prstGeom prst="rect">
+            <a:avLst/>
+          </a:prstGeom>
+          <a:solidFill>
+            <a:srgbClr val="D6D4D7"/>
+          </a:solidFill>
+          <a:ln>
+            <a:noFill/>
+          </a:ln>
+        </p:spPr>
+        <p:style>
+          <a:lnRef idx="2">
+            <a:schemeClr val="accent1">
+              <a:shade val="50000"/>
+            </a:schemeClr>
+          </a:lnRef>
+          <a:fillRef idx="1">
+            <a:schemeClr val="accent1"/>
+          </a:fillRef>
+          <a:effectRef idx="0">
+            <a:schemeClr val="accent1"/>
+          </a:effectRef>
+          <a:fontRef idx="minor">
+            <a:schemeClr val="lt1"/>
+          </a:fontRef>
+        </p:style>
+        <p:txBody>
+          <a:bodyPr rtlCol="0" anchor="ctr"/>
+          <a:lstStyle/>
+          <a:p>
+            <a:pPr algn="ctr"/>
+            <a:r>
+              <a:rPr lang="de-AT" sz="1000" b="1" dirty="0">
+                <a:solidFill>
+                  <a:schemeClr val="tx2"/>
+                </a:solidFill>
+              </a:rPr>
+              <a:t>Users</a:t>
+            </a:r>
+          </a:p>
+        </p:txBody>
+      </p:sp>
+      <p:sp>
+        <p:nvSpPr>
+          <p:cNvPr id="39" name="Rechteck 76">
+            <a:extLst>
+              <a:ext uri="{FF2B5EF4-FFF2-40B4-BE49-F238E27FC236}">
+                <a16:creationId xmlns:a16="http://schemas.microsoft.com/office/drawing/2014/main" id="{782A8736-4243-4EAF-9ECA-8A27CB1E8615}"/>
+              </a:ext>
+            </a:extLst>
+          </p:cNvPr>
+          <p:cNvSpPr/>
+          <p:nvPr/>
+        </p:nvSpPr>
+        <p:spPr>
+          <a:xfrm>
+            <a:off x="1447006" y="4238513"/>
+            <a:ext cx="10591800" cy="464238"/>
+          </a:xfrm>
+          <a:prstGeom prst="rect">
+            <a:avLst/>
+          </a:prstGeom>
+          <a:solidFill>
+            <a:srgbClr val="D6D4D7"/>
+          </a:solidFill>
+          <a:ln>
+            <a:noFill/>
+          </a:ln>
+        </p:spPr>
+        <p:style>
+          <a:lnRef idx="2">
+            <a:schemeClr val="accent1">
+              <a:shade val="50000"/>
+            </a:schemeClr>
+          </a:lnRef>
+          <a:fillRef idx="1">
+            <a:schemeClr val="accent1"/>
+          </a:fillRef>
+          <a:effectRef idx="0">
+            <a:schemeClr val="accent1"/>
+          </a:effectRef>
+          <a:fontRef idx="minor">
+            <a:schemeClr val="lt1"/>
+          </a:fontRef>
+        </p:style>
+        <p:txBody>
+          <a:bodyPr rtlCol="0" anchor="ctr"/>
+          <a:lstStyle/>
+          <a:p>
+            <a:pPr marL="285750" indent="-285750" fontAlgn="base">
+              <a:buFont typeface="Arial" panose="020B0604020202020204" pitchFamily="34" charset="0"/>
+              <a:buChar char="•"/>
+            </a:pPr>
+            <a:r>
+              <a:rPr lang="en-US" sz="1100" dirty="0">
+                <a:solidFill>
+                  <a:srgbClr val="49648C"/>
+                </a:solidFill>
+              </a:rPr>
+              <a:t>It is usually under the supervision of Corporate Communications team</a:t>
+            </a:r>
+          </a:p>
+          <a:p>
+            <a:pPr marL="285750" indent="-285750" fontAlgn="base">
+              <a:buFont typeface="Arial" panose="020B0604020202020204" pitchFamily="34" charset="0"/>
+              <a:buChar char="•"/>
+            </a:pPr>
+            <a:r>
+              <a:rPr lang="en-US" sz="1100" dirty="0">
+                <a:solidFill>
+                  <a:srgbClr val="49648C"/>
+                </a:solidFill>
+              </a:rPr>
+              <a:t>The task force can also access to get faster update</a:t>
+            </a:r>
+          </a:p>
+        </p:txBody>
+      </p:sp>
+    </p:spTree>
+    <p:extLst>
+      <p:ext uri="{BB962C8B-B14F-4D97-AF65-F5344CB8AC3E}">
+        <p14:creationId xmlns:p14="http://schemas.microsoft.com/office/powerpoint/2010/main" val="212734518"/>
+      </p:ext>
+    </p:extLst>
+  </p:cSld>
+  <p:clrMapOvr>
+    <a:masterClrMapping/>
+  </p:clrMapOvr>
+</p:sld>
+</file>
+
+<file path=ppt/slides/slide3.xml><?xml version="1.0" encoding="utf-8"?>
+<p:sld xmlns:a="http://schemas.openxmlformats.org/drawingml/2006/main" xmlns:r="http://schemas.openxmlformats.org/officeDocument/2006/relationships" xmlns:p="http://schemas.openxmlformats.org/presentationml/2006/main">
+  <p:cSld>
+    <p:spTree>
+      <p:nvGrpSpPr>
+        <p:cNvPr id="1" name=""/>
+        <p:cNvGrpSpPr/>
+        <p:nvPr/>
+      </p:nvGrpSpPr>
+      <p:grpSpPr>
+        <a:xfrm>
+          <a:off x="0" y="0"/>
+          <a:ext cx="0" cy="0"/>
+          <a:chOff x="0" y="0"/>
+          <a:chExt cx="0" cy="0"/>
+        </a:xfrm>
+      </p:grpSpPr>
+      <p:sp>
+        <p:nvSpPr>
+          <p:cNvPr id="2" name="Text Placeholder 1">
+            <a:extLst>
+              <a:ext uri="{FF2B5EF4-FFF2-40B4-BE49-F238E27FC236}">
+                <a16:creationId xmlns:a16="http://schemas.microsoft.com/office/drawing/2014/main" id="{C60587BE-7A76-4C1D-85F5-43166209994A}"/>
+              </a:ext>
+            </a:extLst>
+          </p:cNvPr>
+          <p:cNvSpPr>
+            <a:spLocks noGrp="1"/>
+          </p:cNvSpPr>
+          <p:nvPr>
+            <p:ph type="body" sz="quarter" idx="18"/>
+          </p:nvPr>
+        </p:nvSpPr>
         <p:spPr/>
         <p:txBody>
           <a:bodyPr/>
           <a:lstStyle/>
           <a:p>
+            <a:endParaRPr lang="en-ID"/>
+          </a:p>
+        </p:txBody>
+      </p:sp>
+      <p:sp>
+        <p:nvSpPr>
+          <p:cNvPr id="3" name="Title 2">
+            <a:extLst>
+              <a:ext uri="{FF2B5EF4-FFF2-40B4-BE49-F238E27FC236}">
+                <a16:creationId xmlns:a16="http://schemas.microsoft.com/office/drawing/2014/main" id="{E00DCFB5-0106-4B83-A152-EB62C095B5D1}"/>
+              </a:ext>
+            </a:extLst>
+          </p:cNvPr>
+          <p:cNvSpPr>
+            <a:spLocks noGrp="1"/>
+          </p:cNvSpPr>
+          <p:nvPr>
+            <p:ph type="title"/>
+          </p:nvPr>
+        </p:nvSpPr>
+        <p:spPr/>
+        <p:txBody>
+          <a:bodyPr/>
+          <a:lstStyle/>
+          <a:p>
+            <a:endParaRPr lang="en-ID"/>
+          </a:p>
+        </p:txBody>
+      </p:sp>
+      <p:sp>
+        <p:nvSpPr>
+          <p:cNvPr id="4" name="Text Placeholder 3">
+            <a:extLst>
+              <a:ext uri="{FF2B5EF4-FFF2-40B4-BE49-F238E27FC236}">
+                <a16:creationId xmlns:a16="http://schemas.microsoft.com/office/drawing/2014/main" id="{0681A2AF-1438-4955-86FB-0F617B547BDF}"/>
+              </a:ext>
+            </a:extLst>
+          </p:cNvPr>
+          <p:cNvSpPr>
+            <a:spLocks noGrp="1"/>
+          </p:cNvSpPr>
+          <p:nvPr>
+            <p:ph type="body" sz="quarter" idx="17"/>
+          </p:nvPr>
+        </p:nvSpPr>
+        <p:spPr/>
+        <p:txBody>
+          <a:bodyPr>
+            <a:normAutofit fontScale="47500" lnSpcReduction="20000"/>
+          </a:bodyPr>
+          <a:lstStyle/>
+          <a:p>
+            <a:endParaRPr lang="en-ID"/>
+          </a:p>
+        </p:txBody>
+      </p:sp>
+      <p:sp>
+        <p:nvSpPr>
+          <p:cNvPr id="5" name="Date Placeholder 4">
+            <a:extLst>
+              <a:ext uri="{FF2B5EF4-FFF2-40B4-BE49-F238E27FC236}">
+                <a16:creationId xmlns:a16="http://schemas.microsoft.com/office/drawing/2014/main" id="{31F4424B-2CEE-4B4B-A8C0-7BA3A112E7CE}"/>
+              </a:ext>
+            </a:extLst>
+          </p:cNvPr>
+          <p:cNvSpPr>
+            <a:spLocks noGrp="1"/>
+          </p:cNvSpPr>
+          <p:nvPr>
+            <p:ph type="dt" sz="half" idx="19"/>
+          </p:nvPr>
+        </p:nvSpPr>
+        <p:spPr/>
+        <p:txBody>
+          <a:bodyPr/>
+          <a:lstStyle/>
+          <a:p>
             <a:fld id="{1153D9D2-4109-4658-A169-3AF16B615417}" type="datetime5">
               <a:rPr lang="en-US" smtClean="0"/>
-              <a:t>28-Feb-21</a:t>
+              <a:t>6-Mar-21</a:t>
+            </a:fld>
+            <a:endParaRPr lang="en-GB"/>
+          </a:p>
+        </p:txBody>
+      </p:sp>
+      <p:sp>
+        <p:nvSpPr>
+          <p:cNvPr id="6" name="Footer Placeholder 5">
+            <a:extLst>
+              <a:ext uri="{FF2B5EF4-FFF2-40B4-BE49-F238E27FC236}">
+                <a16:creationId xmlns:a16="http://schemas.microsoft.com/office/drawing/2014/main" id="{38700467-F632-4194-A464-ABC09B2DC45F}"/>
+              </a:ext>
+            </a:extLst>
+          </p:cNvPr>
+          <p:cNvSpPr>
+            <a:spLocks noGrp="1"/>
+          </p:cNvSpPr>
+          <p:nvPr>
+            <p:ph type="ftr" sz="quarter" idx="20"/>
+          </p:nvPr>
+        </p:nvSpPr>
+        <p:spPr/>
+        <p:txBody>
+          <a:bodyPr/>
+          <a:lstStyle/>
+          <a:p>
+            <a:r>
+              <a:rPr lang="en-GB" noProof="0"/>
+              <a:t>File name | department | author </a:t>
+            </a:r>
+            <a:endParaRPr lang="en-GB" noProof="0" dirty="0"/>
+          </a:p>
+        </p:txBody>
+      </p:sp>
+      <p:sp>
+        <p:nvSpPr>
+          <p:cNvPr id="7" name="Slide Number Placeholder 6">
+            <a:extLst>
+              <a:ext uri="{FF2B5EF4-FFF2-40B4-BE49-F238E27FC236}">
+                <a16:creationId xmlns:a16="http://schemas.microsoft.com/office/drawing/2014/main" id="{FD0C6391-5652-4859-964E-1FE8FF2E9D26}"/>
+              </a:ext>
+            </a:extLst>
+          </p:cNvPr>
+          <p:cNvSpPr>
+            <a:spLocks noGrp="1"/>
+          </p:cNvSpPr>
+          <p:nvPr>
+            <p:ph type="sldNum" sz="quarter" idx="21"/>
+          </p:nvPr>
+        </p:nvSpPr>
+        <p:spPr/>
+        <p:txBody>
+          <a:bodyPr/>
+          <a:lstStyle/>
+          <a:p>
+            <a:fld id="{61201FF1-C63B-412E-ABF0-3D0E918900AC}" type="slidenum">
+              <a:rPr lang="en-GB" smtClean="0"/>
+              <a:pPr/>
+              <a:t>3</a:t>
+            </a:fld>
+            <a:endParaRPr lang="en-GB" dirty="0"/>
+          </a:p>
+        </p:txBody>
+      </p:sp>
+      <p:sp>
+        <p:nvSpPr>
+          <p:cNvPr id="8" name="Rechteck 73">
+            <a:extLst>
+              <a:ext uri="{FF2B5EF4-FFF2-40B4-BE49-F238E27FC236}">
+                <a16:creationId xmlns:a16="http://schemas.microsoft.com/office/drawing/2014/main" id="{035D0827-5F47-4B14-8643-D10AE957E76C}"/>
+              </a:ext>
+            </a:extLst>
+          </p:cNvPr>
+          <p:cNvSpPr/>
+          <p:nvPr/>
+        </p:nvSpPr>
+        <p:spPr>
+          <a:xfrm>
+            <a:off x="492150" y="1473783"/>
+            <a:ext cx="856456" cy="514351"/>
+          </a:xfrm>
+          <a:prstGeom prst="rect">
+            <a:avLst/>
+          </a:prstGeom>
+          <a:solidFill>
+            <a:srgbClr val="D6D4D7"/>
+          </a:solidFill>
+          <a:ln>
+            <a:noFill/>
+          </a:ln>
+        </p:spPr>
+        <p:style>
+          <a:lnRef idx="2">
+            <a:schemeClr val="accent1">
+              <a:shade val="50000"/>
+            </a:schemeClr>
+          </a:lnRef>
+          <a:fillRef idx="1">
+            <a:schemeClr val="accent1"/>
+          </a:fillRef>
+          <a:effectRef idx="0">
+            <a:schemeClr val="accent1"/>
+          </a:effectRef>
+          <a:fontRef idx="minor">
+            <a:schemeClr val="lt1"/>
+          </a:fontRef>
+        </p:style>
+        <p:txBody>
+          <a:bodyPr rtlCol="0" anchor="ctr"/>
+          <a:lstStyle/>
+          <a:p>
+            <a:pPr algn="ctr"/>
+            <a:r>
+              <a:rPr lang="de-AT" sz="1000" b="1" dirty="0">
+                <a:solidFill>
+                  <a:schemeClr val="tx2"/>
+                </a:solidFill>
+              </a:rPr>
+              <a:t>Limitation</a:t>
+            </a:r>
+          </a:p>
+        </p:txBody>
+      </p:sp>
+      <p:sp>
+        <p:nvSpPr>
+          <p:cNvPr id="9" name="Rechteck 76">
+            <a:extLst>
+              <a:ext uri="{FF2B5EF4-FFF2-40B4-BE49-F238E27FC236}">
+                <a16:creationId xmlns:a16="http://schemas.microsoft.com/office/drawing/2014/main" id="{84DC6B57-9F16-4653-AA3D-B17A8D526F1C}"/>
+              </a:ext>
+            </a:extLst>
+          </p:cNvPr>
+          <p:cNvSpPr/>
+          <p:nvPr/>
+        </p:nvSpPr>
+        <p:spPr>
+          <a:xfrm>
+            <a:off x="1431222" y="1461132"/>
+            <a:ext cx="10591800" cy="527002"/>
+          </a:xfrm>
+          <a:prstGeom prst="rect">
+            <a:avLst/>
+          </a:prstGeom>
+          <a:solidFill>
+            <a:srgbClr val="D6D4D7"/>
+          </a:solidFill>
+          <a:ln>
+            <a:noFill/>
+          </a:ln>
+        </p:spPr>
+        <p:style>
+          <a:lnRef idx="2">
+            <a:schemeClr val="accent1">
+              <a:shade val="50000"/>
+            </a:schemeClr>
+          </a:lnRef>
+          <a:fillRef idx="1">
+            <a:schemeClr val="accent1"/>
+          </a:fillRef>
+          <a:effectRef idx="0">
+            <a:schemeClr val="accent1"/>
+          </a:effectRef>
+          <a:fontRef idx="minor">
+            <a:schemeClr val="lt1"/>
+          </a:fontRef>
+        </p:style>
+        <p:txBody>
+          <a:bodyPr rtlCol="0" anchor="ctr"/>
+          <a:lstStyle/>
+          <a:p>
+            <a:pPr marL="285750" indent="-285750" fontAlgn="base">
+              <a:buFont typeface="Arial" panose="020B0604020202020204" pitchFamily="34" charset="0"/>
+              <a:buChar char="•"/>
+            </a:pPr>
+            <a:r>
+              <a:rPr lang="en-US" sz="1100" dirty="0">
+                <a:solidFill>
+                  <a:srgbClr val="49648C"/>
+                </a:solidFill>
+              </a:rPr>
+              <a:t>Limited to 7 days backward</a:t>
+            </a:r>
+          </a:p>
+          <a:p>
+            <a:pPr marL="285750" indent="-285750" fontAlgn="base">
+              <a:buFont typeface="Arial" panose="020B0604020202020204" pitchFamily="34" charset="0"/>
+              <a:buChar char="•"/>
+            </a:pPr>
+            <a:r>
+              <a:rPr lang="en-US" sz="1100" dirty="0">
+                <a:solidFill>
+                  <a:srgbClr val="49648C"/>
+                </a:solidFill>
+              </a:rPr>
+              <a:t>Still only cover twitter post, reply and comments</a:t>
+            </a:r>
+          </a:p>
+        </p:txBody>
+      </p:sp>
+      <p:sp>
+        <p:nvSpPr>
+          <p:cNvPr id="10" name="Rechteck 73">
+            <a:extLst>
+              <a:ext uri="{FF2B5EF4-FFF2-40B4-BE49-F238E27FC236}">
+                <a16:creationId xmlns:a16="http://schemas.microsoft.com/office/drawing/2014/main" id="{323A5F02-CC87-4C90-A06D-B086E4A82183}"/>
+              </a:ext>
+            </a:extLst>
+          </p:cNvPr>
+          <p:cNvSpPr/>
+          <p:nvPr/>
+        </p:nvSpPr>
+        <p:spPr>
+          <a:xfrm>
+            <a:off x="492150" y="2060246"/>
+            <a:ext cx="856456" cy="883444"/>
+          </a:xfrm>
+          <a:prstGeom prst="rect">
+            <a:avLst/>
+          </a:prstGeom>
+          <a:solidFill>
+            <a:srgbClr val="D6D4D7"/>
+          </a:solidFill>
+          <a:ln>
+            <a:noFill/>
+          </a:ln>
+        </p:spPr>
+        <p:style>
+          <a:lnRef idx="2">
+            <a:schemeClr val="accent1">
+              <a:shade val="50000"/>
+            </a:schemeClr>
+          </a:lnRef>
+          <a:fillRef idx="1">
+            <a:schemeClr val="accent1"/>
+          </a:fillRef>
+          <a:effectRef idx="0">
+            <a:schemeClr val="accent1"/>
+          </a:effectRef>
+          <a:fontRef idx="minor">
+            <a:schemeClr val="lt1"/>
+          </a:fontRef>
+        </p:style>
+        <p:txBody>
+          <a:bodyPr rtlCol="0" anchor="ctr"/>
+          <a:lstStyle/>
+          <a:p>
+            <a:pPr algn="ctr"/>
+            <a:r>
+              <a:rPr lang="de-AT" sz="1000" b="1" dirty="0">
+                <a:solidFill>
+                  <a:schemeClr val="tx2"/>
+                </a:solidFill>
+              </a:rPr>
+              <a:t>Future Works</a:t>
+            </a:r>
+          </a:p>
+        </p:txBody>
+      </p:sp>
+      <p:sp>
+        <p:nvSpPr>
+          <p:cNvPr id="11" name="Rechteck 76">
+            <a:extLst>
+              <a:ext uri="{FF2B5EF4-FFF2-40B4-BE49-F238E27FC236}">
+                <a16:creationId xmlns:a16="http://schemas.microsoft.com/office/drawing/2014/main" id="{DE92D088-ED57-4F25-A68C-812C87265FA1}"/>
+              </a:ext>
+            </a:extLst>
+          </p:cNvPr>
+          <p:cNvSpPr/>
+          <p:nvPr/>
+        </p:nvSpPr>
+        <p:spPr>
+          <a:xfrm>
+            <a:off x="1431222" y="2064334"/>
+            <a:ext cx="10591800" cy="883444"/>
+          </a:xfrm>
+          <a:prstGeom prst="rect">
+            <a:avLst/>
+          </a:prstGeom>
+          <a:solidFill>
+            <a:srgbClr val="D6D4D7"/>
+          </a:solidFill>
+          <a:ln>
+            <a:noFill/>
+          </a:ln>
+        </p:spPr>
+        <p:style>
+          <a:lnRef idx="2">
+            <a:schemeClr val="accent1">
+              <a:shade val="50000"/>
+            </a:schemeClr>
+          </a:lnRef>
+          <a:fillRef idx="1">
+            <a:schemeClr val="accent1"/>
+          </a:fillRef>
+          <a:effectRef idx="0">
+            <a:schemeClr val="accent1"/>
+          </a:effectRef>
+          <a:fontRef idx="minor">
+            <a:schemeClr val="lt1"/>
+          </a:fontRef>
+        </p:style>
+        <p:txBody>
+          <a:bodyPr rtlCol="0" anchor="ctr"/>
+          <a:lstStyle/>
+          <a:p>
+            <a:pPr marL="285750" indent="-285750" fontAlgn="base">
+              <a:buFont typeface="Arial" panose="020B0604020202020204" pitchFamily="34" charset="0"/>
+              <a:buChar char="•"/>
+            </a:pPr>
+            <a:r>
+              <a:rPr lang="en-US" sz="1100" dirty="0">
+                <a:solidFill>
+                  <a:srgbClr val="49648C"/>
+                </a:solidFill>
+              </a:rPr>
+              <a:t>Customers’ Email Sentiment analysis that can be used by </a:t>
+            </a:r>
+          </a:p>
+          <a:p>
+            <a:pPr marL="742950" lvl="1" indent="-285750" fontAlgn="base">
+              <a:buFont typeface="Arial" panose="020B0604020202020204" pitchFamily="34" charset="0"/>
+              <a:buChar char="•"/>
+            </a:pPr>
+            <a:r>
+              <a:rPr lang="en-US" sz="1100" dirty="0">
+                <a:solidFill>
+                  <a:srgbClr val="49648C"/>
+                </a:solidFill>
+              </a:rPr>
+              <a:t>Customer Service: to follow up complaints as immediately as possible </a:t>
+            </a:r>
+          </a:p>
+          <a:p>
+            <a:pPr marL="742950" lvl="1" indent="-285750" fontAlgn="base">
+              <a:buFont typeface="Arial" panose="020B0604020202020204" pitchFamily="34" charset="0"/>
+              <a:buChar char="•"/>
+            </a:pPr>
+            <a:r>
+              <a:rPr lang="en-US" sz="1100" dirty="0">
+                <a:solidFill>
+                  <a:srgbClr val="49648C"/>
+                </a:solidFill>
+              </a:rPr>
+              <a:t>Sales Business: to identify bad-feeling customers and decide what the best treatment should be done to retain them</a:t>
+            </a:r>
+          </a:p>
+          <a:p>
+            <a:pPr marL="285750" indent="-285750" fontAlgn="base">
+              <a:buFont typeface="Arial" panose="020B0604020202020204" pitchFamily="34" charset="0"/>
+              <a:buChar char="•"/>
+            </a:pPr>
+            <a:r>
+              <a:rPr lang="en-US" sz="1100" dirty="0">
+                <a:solidFill>
+                  <a:srgbClr val="49648C"/>
+                </a:solidFill>
+              </a:rPr>
+              <a:t>Early Warning System for Top 5 Negative Contents</a:t>
+            </a:r>
+          </a:p>
+          <a:p>
+            <a:pPr marL="285750" indent="-285750" fontAlgn="base">
+              <a:buFont typeface="Arial" panose="020B0604020202020204" pitchFamily="34" charset="0"/>
+              <a:buChar char="•"/>
+            </a:pPr>
+            <a:r>
+              <a:rPr lang="en-US" sz="1100" dirty="0">
+                <a:solidFill>
+                  <a:srgbClr val="49648C"/>
+                </a:solidFill>
+              </a:rPr>
+              <a:t>Image detection for fraud analysis (fake information, fake job vacancy) or brand misuse (use of logo that does not align with Company’s guideline)</a:t>
+            </a:r>
+          </a:p>
+        </p:txBody>
+      </p:sp>
+    </p:spTree>
+    <p:extLst>
+      <p:ext uri="{BB962C8B-B14F-4D97-AF65-F5344CB8AC3E}">
+        <p14:creationId xmlns:p14="http://schemas.microsoft.com/office/powerpoint/2010/main" val="4008525658"/>
+      </p:ext>
+    </p:extLst>
+  </p:cSld>
+  <p:clrMapOvr>
+    <a:masterClrMapping/>
+  </p:clrMapOvr>
+</p:sld>
+</file>
+
+<file path=ppt/slides/slide4.xml><?xml version="1.0" encoding="utf-8"?>
+<p:sld xmlns:a="http://schemas.openxmlformats.org/drawingml/2006/main" xmlns:r="http://schemas.openxmlformats.org/officeDocument/2006/relationships" xmlns:p="http://schemas.openxmlformats.org/presentationml/2006/main">
+  <p:cSld>
+    <p:spTree>
+      <p:nvGrpSpPr>
+        <p:cNvPr id="1" name=""/>
+        <p:cNvGrpSpPr/>
+        <p:nvPr/>
+      </p:nvGrpSpPr>
+      <p:grpSpPr>
+        <a:xfrm>
+          <a:off x="0" y="0"/>
+          <a:ext cx="0" cy="0"/>
+          <a:chOff x="0" y="0"/>
+          <a:chExt cx="0" cy="0"/>
+        </a:xfrm>
+      </p:grpSpPr>
+      <p:sp>
+        <p:nvSpPr>
+          <p:cNvPr id="2" name="Text Placeholder 1">
+            <a:extLst>
+              <a:ext uri="{FF2B5EF4-FFF2-40B4-BE49-F238E27FC236}">
+                <a16:creationId xmlns:a16="http://schemas.microsoft.com/office/drawing/2014/main" id="{A8E1A4B0-09A2-4DBB-961B-977AC5F6E882}"/>
+              </a:ext>
+            </a:extLst>
+          </p:cNvPr>
+          <p:cNvSpPr>
+            <a:spLocks noGrp="1"/>
+          </p:cNvSpPr>
+          <p:nvPr>
+            <p:ph type="body" sz="quarter" idx="18"/>
+          </p:nvPr>
+        </p:nvSpPr>
+        <p:spPr/>
+        <p:txBody>
+          <a:bodyPr/>
+          <a:lstStyle/>
+          <a:p>
+            <a:endParaRPr lang="en-ID"/>
+          </a:p>
+        </p:txBody>
+      </p:sp>
+      <p:sp>
+        <p:nvSpPr>
+          <p:cNvPr id="3" name="Title 2">
+            <a:extLst>
+              <a:ext uri="{FF2B5EF4-FFF2-40B4-BE49-F238E27FC236}">
+                <a16:creationId xmlns:a16="http://schemas.microsoft.com/office/drawing/2014/main" id="{3DB29800-0D09-4078-BEE3-B0F742C7E156}"/>
+              </a:ext>
+            </a:extLst>
+          </p:cNvPr>
+          <p:cNvSpPr>
+            <a:spLocks noGrp="1"/>
+          </p:cNvSpPr>
+          <p:nvPr>
+            <p:ph type="title"/>
+          </p:nvPr>
+        </p:nvSpPr>
+        <p:spPr/>
+        <p:txBody>
+          <a:bodyPr/>
+          <a:lstStyle/>
+          <a:p>
+            <a:r>
+              <a:rPr lang="en-ID" b="1" dirty="0"/>
+              <a:t>PROTOTYPE</a:t>
+            </a:r>
+          </a:p>
+        </p:txBody>
+      </p:sp>
+      <p:sp>
+        <p:nvSpPr>
+          <p:cNvPr id="4" name="Text Placeholder 3">
+            <a:extLst>
+              <a:ext uri="{FF2B5EF4-FFF2-40B4-BE49-F238E27FC236}">
+                <a16:creationId xmlns:a16="http://schemas.microsoft.com/office/drawing/2014/main" id="{2E586915-E1B4-40F3-910F-1C729CE41D35}"/>
+              </a:ext>
+            </a:extLst>
+          </p:cNvPr>
+          <p:cNvSpPr>
+            <a:spLocks noGrp="1"/>
+          </p:cNvSpPr>
+          <p:nvPr>
+            <p:ph type="body" sz="quarter" idx="17"/>
+          </p:nvPr>
+        </p:nvSpPr>
+        <p:spPr/>
+        <p:txBody>
+          <a:bodyPr>
+            <a:normAutofit fontScale="47500" lnSpcReduction="20000"/>
+          </a:bodyPr>
+          <a:lstStyle/>
+          <a:p>
+            <a:endParaRPr lang="en-ID"/>
+          </a:p>
+        </p:txBody>
+      </p:sp>
+      <p:sp>
+        <p:nvSpPr>
+          <p:cNvPr id="5" name="Date Placeholder 4">
+            <a:extLst>
+              <a:ext uri="{FF2B5EF4-FFF2-40B4-BE49-F238E27FC236}">
+                <a16:creationId xmlns:a16="http://schemas.microsoft.com/office/drawing/2014/main" id="{53C20DB6-EC7A-48BF-8931-9B1127ADCBCB}"/>
+              </a:ext>
+            </a:extLst>
+          </p:cNvPr>
+          <p:cNvSpPr>
+            <a:spLocks noGrp="1"/>
+          </p:cNvSpPr>
+          <p:nvPr>
+            <p:ph type="dt" sz="half" idx="19"/>
+          </p:nvPr>
+        </p:nvSpPr>
+        <p:spPr/>
+        <p:txBody>
+          <a:bodyPr/>
+          <a:lstStyle/>
+          <a:p>
+            <a:fld id="{1153D9D2-4109-4658-A169-3AF16B615417}" type="datetime5">
+              <a:rPr lang="en-US" smtClean="0"/>
+              <a:t>6-Mar-21</a:t>
             </a:fld>
             <a:endParaRPr lang="en-GB" dirty="0"/>
           </a:p>
@@ -16061,7 +17598,7 @@
             <a:fld id="{61201FF1-C63B-412E-ABF0-3D0E918900AC}" type="slidenum">
               <a:rPr lang="en-GB" smtClean="0"/>
               <a:pPr/>
-              <a:t>2</a:t>
+              <a:t>4</a:t>
             </a:fld>
             <a:endParaRPr lang="en-GB" dirty="0"/>
           </a:p>
@@ -16661,7 +18198,7 @@
     </p:spTree>
     <p:extLst>
       <p:ext uri="{BB962C8B-B14F-4D97-AF65-F5344CB8AC3E}">
-        <p14:creationId xmlns:p14="http://schemas.microsoft.com/office/powerpoint/2010/main" val="212734518"/>
+        <p14:creationId xmlns:p14="http://schemas.microsoft.com/office/powerpoint/2010/main" val="4225547645"/>
       </p:ext>
     </p:extLst>
   </p:cSld>
@@ -16671,7 +18208,7 @@
 </p:sld>
 </file>
 
-<file path=ppt/slides/slide3.xml><?xml version="1.0" encoding="utf-8"?>
+<file path=ppt/slides/slide5.xml><?xml version="1.0" encoding="utf-8"?>
 <p:sld xmlns:a="http://schemas.openxmlformats.org/drawingml/2006/main" xmlns:r="http://schemas.openxmlformats.org/officeDocument/2006/relationships" xmlns:p="http://schemas.openxmlformats.org/presentationml/2006/main">
   <p:cSld>
     <p:spTree>
@@ -16791,7 +18328,7 @@
           <a:p>
             <a:fld id="{1153D9D2-4109-4658-A169-3AF16B615417}" type="datetime5">
               <a:rPr lang="en-US" smtClean="0"/>
-              <a:t>28-Feb-21</a:t>
+              <a:t>6-Mar-21</a:t>
             </a:fld>
             <a:endParaRPr lang="en-GB"/>
           </a:p>
@@ -16821,7 +18358,7 @@
             <a:fld id="{61201FF1-C63B-412E-ABF0-3D0E918900AC}" type="slidenum">
               <a:rPr lang="en-GB" smtClean="0"/>
               <a:pPr/>
-              <a:t>3</a:t>
+              <a:t>5</a:t>
             </a:fld>
             <a:endParaRPr lang="en-GB" dirty="0"/>
           </a:p>
@@ -16868,7 +18405,7 @@
 </p:sld>
 </file>
 
-<file path=ppt/slides/slide4.xml><?xml version="1.0" encoding="utf-8"?>
+<file path=ppt/slides/slide6.xml><?xml version="1.0" encoding="utf-8"?>
 <p:sld xmlns:a="http://schemas.openxmlformats.org/drawingml/2006/main" xmlns:r="http://schemas.openxmlformats.org/officeDocument/2006/relationships" xmlns:p="http://schemas.openxmlformats.org/presentationml/2006/main">
   <p:cSld>
     <p:spTree>
@@ -16988,7 +18525,7 @@
           <a:p>
             <a:fld id="{1153D9D2-4109-4658-A169-3AF16B615417}" type="datetime5">
               <a:rPr lang="en-US" smtClean="0"/>
-              <a:t>28-Feb-21</a:t>
+              <a:t>6-Mar-21</a:t>
             </a:fld>
             <a:endParaRPr lang="en-GB"/>
           </a:p>
@@ -17018,7 +18555,7 @@
             <a:fld id="{61201FF1-C63B-412E-ABF0-3D0E918900AC}" type="slidenum">
               <a:rPr lang="en-GB" smtClean="0"/>
               <a:pPr/>
-              <a:t>4</a:t>
+              <a:t>6</a:t>
             </a:fld>
             <a:endParaRPr lang="en-GB" dirty="0"/>
           </a:p>
@@ -17065,7 +18602,7 @@
 </p:sld>
 </file>
 
-<file path=ppt/slides/slide5.xml><?xml version="1.0" encoding="utf-8"?>
+<file path=ppt/slides/slide7.xml><?xml version="1.0" encoding="utf-8"?>
 <p:sld xmlns:a="http://schemas.openxmlformats.org/drawingml/2006/main" xmlns:r="http://schemas.openxmlformats.org/officeDocument/2006/relationships" xmlns:p="http://schemas.openxmlformats.org/presentationml/2006/main">
   <p:cSld>
     <p:spTree>
@@ -17162,7 +18699,7 @@
             <a:fld id="{61201FF1-C63B-412E-ABF0-3D0E918900AC}" type="slidenum">
               <a:rPr lang="de-DE" smtClean="0"/>
               <a:pPr/>
-              <a:t>5</a:t>
+              <a:t>7</a:t>
             </a:fld>
             <a:endParaRPr lang="de-DE" dirty="0"/>
           </a:p>
@@ -17879,7 +19416,7 @@
 </p:sld>
 </file>
 
-<file path=ppt/slides/slide6.xml><?xml version="1.0" encoding="utf-8"?>
+<file path=ppt/slides/slide8.xml><?xml version="1.0" encoding="utf-8"?>
 <p:sld xmlns:a="http://schemas.openxmlformats.org/drawingml/2006/main" xmlns:r="http://schemas.openxmlformats.org/officeDocument/2006/relationships" xmlns:p="http://schemas.openxmlformats.org/presentationml/2006/main">
   <p:cSld>
     <p:spTree>
@@ -18004,7 +19541,7 @@
           <a:p>
             <a:fld id="{1153D9D2-4109-4658-A169-3AF16B615417}" type="datetime5">
               <a:rPr lang="en-US" smtClean="0"/>
-              <a:t>28-Feb-21</a:t>
+              <a:t>6-Mar-21</a:t>
             </a:fld>
             <a:endParaRPr lang="en-GB"/>
           </a:p>
@@ -18034,7 +19571,7 @@
             <a:fld id="{61201FF1-C63B-412E-ABF0-3D0E918900AC}" type="slidenum">
               <a:rPr lang="en-GB" smtClean="0"/>
               <a:pPr/>
-              <a:t>6</a:t>
+              <a:t>8</a:t>
             </a:fld>
             <a:endParaRPr lang="en-GB" dirty="0"/>
           </a:p>
@@ -18228,7 +19765,7 @@
 </p:sld>
 </file>
 
-<file path=ppt/slides/slide7.xml><?xml version="1.0" encoding="utf-8"?>
+<file path=ppt/slides/slide9.xml><?xml version="1.0" encoding="utf-8"?>
 <p:sld xmlns:a="http://schemas.openxmlformats.org/drawingml/2006/main" xmlns:r="http://schemas.openxmlformats.org/officeDocument/2006/relationships" xmlns:p="http://schemas.openxmlformats.org/presentationml/2006/main">
   <p:cSld>
     <p:spTree>
@@ -18348,7 +19885,7 @@
           <a:p>
             <a:fld id="{1153D9D2-4109-4658-A169-3AF16B615417}" type="datetime5">
               <a:rPr lang="en-US" smtClean="0"/>
-              <a:t>28-Feb-21</a:t>
+              <a:t>6-Mar-21</a:t>
             </a:fld>
             <a:endParaRPr lang="en-GB"/>
           </a:p>
@@ -18378,7 +19915,7 @@
             <a:fld id="{61201FF1-C63B-412E-ABF0-3D0E918900AC}" type="slidenum">
               <a:rPr lang="en-GB" smtClean="0"/>
               <a:pPr/>
-              <a:t>7</a:t>
+              <a:t>9</a:t>
             </a:fld>
             <a:endParaRPr lang="en-GB" dirty="0"/>
           </a:p>
@@ -18664,173 +20201,6 @@
     <p:extLst>
       <p:ext uri="{BB962C8B-B14F-4D97-AF65-F5344CB8AC3E}">
         <p14:creationId xmlns:p14="http://schemas.microsoft.com/office/powerpoint/2010/main" val="1721161410"/>
-      </p:ext>
-    </p:extLst>
-  </p:cSld>
-  <p:clrMapOvr>
-    <a:masterClrMapping/>
-  </p:clrMapOvr>
-</p:sld>
-</file>
-
-<file path=ppt/slides/slide8.xml><?xml version="1.0" encoding="utf-8"?>
-<p:sld xmlns:a="http://schemas.openxmlformats.org/drawingml/2006/main" xmlns:r="http://schemas.openxmlformats.org/officeDocument/2006/relationships" xmlns:p="http://schemas.openxmlformats.org/presentationml/2006/main">
-  <p:cSld>
-    <p:spTree>
-      <p:nvGrpSpPr>
-        <p:cNvPr id="1" name=""/>
-        <p:cNvGrpSpPr/>
-        <p:nvPr/>
-      </p:nvGrpSpPr>
-      <p:grpSpPr>
-        <a:xfrm>
-          <a:off x="0" y="0"/>
-          <a:ext cx="0" cy="0"/>
-          <a:chOff x="0" y="0"/>
-          <a:chExt cx="0" cy="0"/>
-        </a:xfrm>
-      </p:grpSpPr>
-      <p:sp>
-        <p:nvSpPr>
-          <p:cNvPr id="2" name="Text Placeholder 1">
-            <a:extLst>
-              <a:ext uri="{FF2B5EF4-FFF2-40B4-BE49-F238E27FC236}">
-                <a16:creationId xmlns:a16="http://schemas.microsoft.com/office/drawing/2014/main" id="{4734CF06-6B9B-4D73-918E-192D15235CED}"/>
-              </a:ext>
-            </a:extLst>
-          </p:cNvPr>
-          <p:cNvSpPr>
-            <a:spLocks noGrp="1"/>
-          </p:cNvSpPr>
-          <p:nvPr>
-            <p:ph type="body" sz="quarter" idx="18"/>
-          </p:nvPr>
-        </p:nvSpPr>
-        <p:spPr/>
-        <p:txBody>
-          <a:bodyPr/>
-          <a:lstStyle/>
-          <a:p>
-            <a:endParaRPr lang="en-ID"/>
-          </a:p>
-        </p:txBody>
-      </p:sp>
-      <p:sp>
-        <p:nvSpPr>
-          <p:cNvPr id="3" name="Title 2">
-            <a:extLst>
-              <a:ext uri="{FF2B5EF4-FFF2-40B4-BE49-F238E27FC236}">
-                <a16:creationId xmlns:a16="http://schemas.microsoft.com/office/drawing/2014/main" id="{A2304FDE-82C8-40EF-A43A-CD5D080145B8}"/>
-              </a:ext>
-            </a:extLst>
-          </p:cNvPr>
-          <p:cNvSpPr>
-            <a:spLocks noGrp="1"/>
-          </p:cNvSpPr>
-          <p:nvPr>
-            <p:ph type="title"/>
-          </p:nvPr>
-        </p:nvSpPr>
-        <p:spPr/>
-        <p:txBody>
-          <a:bodyPr/>
-          <a:lstStyle/>
-          <a:p>
-            <a:r>
-              <a:rPr lang="en-ID" b="1" dirty="0"/>
-              <a:t>LEARNING CYCLE</a:t>
-            </a:r>
-          </a:p>
-        </p:txBody>
-      </p:sp>
-      <p:sp>
-        <p:nvSpPr>
-          <p:cNvPr id="4" name="Text Placeholder 3">
-            <a:extLst>
-              <a:ext uri="{FF2B5EF4-FFF2-40B4-BE49-F238E27FC236}">
-                <a16:creationId xmlns:a16="http://schemas.microsoft.com/office/drawing/2014/main" id="{FD8E5FD6-7DD3-40E3-8CF0-15038BE5E7E1}"/>
-              </a:ext>
-            </a:extLst>
-          </p:cNvPr>
-          <p:cNvSpPr>
-            <a:spLocks noGrp="1"/>
-          </p:cNvSpPr>
-          <p:nvPr>
-            <p:ph type="body" sz="quarter" idx="17"/>
-          </p:nvPr>
-        </p:nvSpPr>
-        <p:spPr/>
-        <p:txBody>
-          <a:bodyPr>
-            <a:normAutofit fontScale="47500" lnSpcReduction="20000"/>
-          </a:bodyPr>
-          <a:lstStyle/>
-          <a:p>
-            <a:endParaRPr lang="en-ID"/>
-          </a:p>
-        </p:txBody>
-      </p:sp>
-      <p:sp>
-        <p:nvSpPr>
-          <p:cNvPr id="5" name="Date Placeholder 4">
-            <a:extLst>
-              <a:ext uri="{FF2B5EF4-FFF2-40B4-BE49-F238E27FC236}">
-                <a16:creationId xmlns:a16="http://schemas.microsoft.com/office/drawing/2014/main" id="{646DD949-7311-4FF2-B7F2-E496C277982E}"/>
-              </a:ext>
-            </a:extLst>
-          </p:cNvPr>
-          <p:cNvSpPr>
-            <a:spLocks noGrp="1"/>
-          </p:cNvSpPr>
-          <p:nvPr>
-            <p:ph type="dt" sz="half" idx="19"/>
-          </p:nvPr>
-        </p:nvSpPr>
-        <p:spPr/>
-        <p:txBody>
-          <a:bodyPr/>
-          <a:lstStyle/>
-          <a:p>
-            <a:fld id="{1153D9D2-4109-4658-A169-3AF16B615417}" type="datetime5">
-              <a:rPr lang="en-US" smtClean="0"/>
-              <a:t>28-Feb-21</a:t>
-            </a:fld>
-            <a:endParaRPr lang="en-GB"/>
-          </a:p>
-        </p:txBody>
-      </p:sp>
-      <p:graphicFrame>
-        <p:nvGraphicFramePr>
-          <p:cNvPr id="8" name="Diagram 7">
-            <a:extLst>
-              <a:ext uri="{FF2B5EF4-FFF2-40B4-BE49-F238E27FC236}">
-                <a16:creationId xmlns:a16="http://schemas.microsoft.com/office/drawing/2014/main" id="{EB1FD640-BACA-4C5E-BF1D-A8BBCAB12E86}"/>
-              </a:ext>
-            </a:extLst>
-          </p:cNvPr>
-          <p:cNvGraphicFramePr/>
-          <p:nvPr>
-            <p:extLst>
-              <p:ext uri="{D42A27DB-BD31-4B8C-83A1-F6EECF244321}">
-                <p14:modId xmlns:p14="http://schemas.microsoft.com/office/powerpoint/2010/main" val="3934171468"/>
-              </p:ext>
-            </p:extLst>
-          </p:nvPr>
-        </p:nvGraphicFramePr>
-        <p:xfrm>
-          <a:off x="2030942" y="1181277"/>
-          <a:ext cx="8126942" cy="5417961"/>
-        </p:xfrm>
-        <a:graphic>
-          <a:graphicData uri="http://schemas.openxmlformats.org/drawingml/2006/diagram">
-            <dgm:relIds xmlns:dgm="http://schemas.openxmlformats.org/drawingml/2006/diagram" xmlns:r="http://schemas.openxmlformats.org/officeDocument/2006/relationships" r:dm="rId2" r:lo="rId3" r:qs="rId4" r:cs="rId5"/>
-          </a:graphicData>
-        </a:graphic>
-      </p:graphicFrame>
-    </p:spTree>
-    <p:extLst>
-      <p:ext uri="{BB962C8B-B14F-4D97-AF65-F5344CB8AC3E}">
-        <p14:creationId xmlns:p14="http://schemas.microsoft.com/office/powerpoint/2010/main" val="1073113951"/>
       </p:ext>
     </p:extLst>
   </p:cSld>

--- a/0-Final-Project-Overview.pptx
+++ b/0-Final-Project-Overview.pptx
@@ -2837,7 +2837,7 @@
       </dgm:t>
     </dgm:pt>
     <dgm:pt modelId="{ED8A4D5A-218A-4FB0-A06E-375793C27C62}">
-      <dgm:prSet phldrT="[Text]"/>
+      <dgm:prSet phldrT="[Text]" custT="1"/>
       <dgm:spPr>
         <a:solidFill>
           <a:srgbClr val="D6D4D7"/>
@@ -2848,14 +2848,14 @@
         <a:lstStyle/>
         <a:p>
           <a:r>
-            <a:rPr lang="en-ID" dirty="0" err="1">
+            <a:rPr lang="en-ID" sz="2000" dirty="0" err="1">
               <a:solidFill>
                 <a:srgbClr val="50698F"/>
               </a:solidFill>
             </a:rPr>
-            <a:t>Github</a:t>
+            <a:t>Rizalespe</a:t>
           </a:r>
-          <a:endParaRPr lang="en-ID" dirty="0">
+          <a:endParaRPr lang="en-ID" sz="2000" dirty="0">
             <a:solidFill>
               <a:srgbClr val="50698F"/>
             </a:solidFill>
@@ -2886,7 +2886,7 @@
       </dgm:t>
     </dgm:pt>
     <dgm:pt modelId="{0691221E-BAAF-42D8-816E-AB49F1C97DD5}">
-      <dgm:prSet phldrT="[Text]"/>
+      <dgm:prSet phldrT="[Text]" custT="1"/>
       <dgm:spPr>
         <a:solidFill>
           <a:srgbClr val="D6D4D7"/>
@@ -2897,14 +2897,14 @@
         <a:lstStyle/>
         <a:p>
           <a:r>
-            <a:rPr lang="en-ID" dirty="0" err="1">
+            <a:rPr lang="en-ID" sz="2000" dirty="0" err="1">
               <a:solidFill>
                 <a:srgbClr val="50698F"/>
               </a:solidFill>
             </a:rPr>
             <a:t>IndoNLU</a:t>
           </a:r>
-          <a:endParaRPr lang="en-ID" dirty="0">
+          <a:endParaRPr lang="en-ID" sz="2000" dirty="0">
             <a:solidFill>
               <a:srgbClr val="50698F"/>
             </a:solidFill>
@@ -2935,7 +2935,7 @@
       </dgm:t>
     </dgm:pt>
     <dgm:pt modelId="{47D158F5-750F-4B5D-B114-B22CFFC1D2F8}">
-      <dgm:prSet phldrT="[Text]"/>
+      <dgm:prSet phldrT="[Text]" custT="1"/>
       <dgm:spPr>
         <a:solidFill>
           <a:srgbClr val="D6D4D7"/>
@@ -2946,12 +2946,12 @@
         <a:lstStyle/>
         <a:p>
           <a:r>
-            <a:rPr lang="en-ID" dirty="0">
+            <a:rPr lang="en-ID" sz="2000" dirty="0">
               <a:solidFill>
                 <a:srgbClr val="50698F"/>
               </a:solidFill>
             </a:rPr>
-            <a:t>Others</a:t>
+            <a:t>Research Gate</a:t>
           </a:r>
         </a:p>
       </dgm:t>
@@ -3366,36 +3366,12 @@
         <a:p>
           <a:pPr algn="l"/>
           <a:r>
-            <a:rPr lang="en-ID" sz="900" b="1" dirty="0" err="1">
-              <a:solidFill>
-                <a:srgbClr val="003781"/>
-              </a:solidFill>
-            </a:rPr>
-            <a:t>Github</a:t>
-          </a:r>
-          <a:r>
             <a:rPr lang="en-ID" sz="900" b="1" dirty="0">
               <a:solidFill>
                 <a:srgbClr val="003781"/>
               </a:solidFill>
             </a:rPr>
-            <a:t> – </a:t>
-          </a:r>
-          <a:r>
-            <a:rPr lang="en-ID" sz="900" b="1" dirty="0" err="1">
-              <a:solidFill>
-                <a:srgbClr val="003781"/>
-              </a:solidFill>
-            </a:rPr>
-            <a:t>indobenchmark</a:t>
-          </a:r>
-          <a:r>
-            <a:rPr lang="en-ID" sz="900" b="1" dirty="0">
-              <a:solidFill>
-                <a:srgbClr val="003781"/>
-              </a:solidFill>
-            </a:rPr>
-            <a:t> (</a:t>
+            <a:t>(</a:t>
           </a:r>
           <a:r>
             <a:rPr lang="en-ID" sz="900" b="1" dirty="0">
@@ -3422,6 +3398,49 @@
             </a:rPr>
             <a:t> </a:t>
           </a:r>
+        </a:p>
+        <a:p>
+          <a:pPr algn="l"/>
+          <a:r>
+            <a:rPr lang="en-ID" sz="900" dirty="0">
+              <a:solidFill>
+                <a:srgbClr val="003781"/>
+              </a:solidFill>
+            </a:rPr>
+            <a:t>- </a:t>
+          </a:r>
+          <a:r>
+            <a:rPr lang="en-ID" sz="900" dirty="0" err="1">
+              <a:solidFill>
+                <a:srgbClr val="003781"/>
+              </a:solidFill>
+            </a:rPr>
+            <a:t>smsa_doc</a:t>
+          </a:r>
+          <a:r>
+            <a:rPr lang="en-ID" sz="900" dirty="0">
+              <a:solidFill>
+                <a:srgbClr val="003781"/>
+              </a:solidFill>
+            </a:rPr>
+            <a:t>-sentiment-</a:t>
+          </a:r>
+          <a:r>
+            <a:rPr lang="en-ID" sz="900" dirty="0" err="1">
+              <a:solidFill>
+                <a:srgbClr val="003781"/>
+              </a:solidFill>
+            </a:rPr>
+            <a:t>prosa</a:t>
+          </a:r>
+          <a:endParaRPr lang="en-ID" sz="900" dirty="0">
+            <a:solidFill>
+              <a:srgbClr val="003781"/>
+            </a:solidFill>
+          </a:endParaRPr>
+        </a:p>
+        <a:p>
+          <a:pPr algn="l"/>
           <a:endParaRPr lang="en-ID" sz="600" dirty="0"/>
         </a:p>
       </dgm:t>
@@ -3471,10 +3490,65 @@
               <a:solidFill>
                 <a:srgbClr val="003781"/>
               </a:solidFill>
+              <a:hlinkClick xmlns:r="http://schemas.openxmlformats.org/officeDocument/2006/relationships" r:id="rId3"/>
             </a:rPr>
-            <a:t>Meltwater</a:t>
+            <a:t>https://www.researchgate.net/publication/339936724_Indonesian_Sentiment_Twitter_Dataset</a:t>
           </a:r>
-          <a:endParaRPr lang="en-ID" sz="900" dirty="0"/>
+          <a:endParaRPr lang="en-ID" sz="900" b="1" dirty="0">
+            <a:solidFill>
+              <a:srgbClr val="003781"/>
+            </a:solidFill>
+          </a:endParaRPr>
+        </a:p>
+        <a:p>
+          <a:pPr algn="l">
+            <a:buFont typeface="+mj-lt"/>
+            <a:buNone/>
+          </a:pPr>
+          <a:r>
+            <a:rPr lang="en-ID" sz="900" b="0" dirty="0">
+              <a:solidFill>
+                <a:srgbClr val="003781"/>
+              </a:solidFill>
+            </a:rPr>
+            <a:t>- </a:t>
+          </a:r>
+          <a:r>
+            <a:rPr lang="en-ID" sz="900" b="0" dirty="0" err="1">
+              <a:solidFill>
+                <a:srgbClr val="003781"/>
+              </a:solidFill>
+            </a:rPr>
+            <a:t>Indonesian_Sentiment_Twitter_Dataset_Labeled</a:t>
+          </a:r>
+          <a:endParaRPr lang="en-ID" sz="900" b="0" dirty="0">
+            <a:solidFill>
+              <a:srgbClr val="003781"/>
+            </a:solidFill>
+          </a:endParaRPr>
+        </a:p>
+        <a:p>
+          <a:pPr algn="l">
+            <a:buFont typeface="+mj-lt"/>
+            <a:buNone/>
+          </a:pPr>
+          <a:r>
+            <a:rPr lang="en-ID" sz="900" b="0" dirty="0">
+              <a:solidFill>
+                <a:srgbClr val="003781"/>
+              </a:solidFill>
+            </a:rPr>
+            <a:t>- </a:t>
+          </a:r>
+          <a:r>
+            <a:rPr lang="en-ID" sz="900" b="0" dirty="0" err="1">
+              <a:solidFill>
+                <a:srgbClr val="003781"/>
+              </a:solidFill>
+            </a:rPr>
+            <a:t>Indonesian_Sentiment_Twitter_Dataset_Unlabeled</a:t>
+          </a:r>
+          <a:endParaRPr lang="en-ID" sz="900" b="0" dirty="0"/>
         </a:p>
       </dgm:t>
     </dgm:pt>
@@ -3490,6 +3564,113 @@
       </dgm:t>
     </dgm:pt>
     <dgm:pt modelId="{6EC0AFCE-DD60-42F1-A492-EDC486E67FB1}" type="sibTrans" cxnId="{F525529E-17F8-460A-AA35-57C6FDA713DE}">
+      <dgm:prSet/>
+      <dgm:spPr/>
+      <dgm:t>
+        <a:bodyPr/>
+        <a:lstStyle/>
+        <a:p>
+          <a:endParaRPr lang="en-ID"/>
+        </a:p>
+      </dgm:t>
+    </dgm:pt>
+    <dgm:pt modelId="{041B48CF-8F2A-46D6-AB57-1204901271B3}">
+      <dgm:prSet custT="1"/>
+      <dgm:spPr>
+        <a:solidFill>
+          <a:srgbClr val="D6D4D7"/>
+        </a:solidFill>
+      </dgm:spPr>
+      <dgm:t>
+        <a:bodyPr/>
+        <a:lstStyle/>
+        <a:p>
+          <a:r>
+            <a:rPr lang="en-ID" sz="2000" dirty="0">
+              <a:solidFill>
+                <a:srgbClr val="50698F"/>
+              </a:solidFill>
+            </a:rPr>
+            <a:t>Louis Owen</a:t>
+          </a:r>
+          <a:endParaRPr lang="en-ID" sz="2000" dirty="0"/>
+        </a:p>
+      </dgm:t>
+    </dgm:pt>
+    <dgm:pt modelId="{85799810-4233-46E2-ADBF-04E675986D3E}" type="parTrans" cxnId="{E2E6EC3C-E3E7-4B4E-8A2E-4BA7ACAA6D39}">
+      <dgm:prSet/>
+      <dgm:spPr/>
+      <dgm:t>
+        <a:bodyPr/>
+        <a:lstStyle/>
+        <a:p>
+          <a:endParaRPr lang="en-ID"/>
+        </a:p>
+      </dgm:t>
+    </dgm:pt>
+    <dgm:pt modelId="{00C029F7-F372-481E-BCAE-A76AA1A18465}" type="sibTrans" cxnId="{E2E6EC3C-E3E7-4B4E-8A2E-4BA7ACAA6D39}">
+      <dgm:prSet/>
+      <dgm:spPr/>
+      <dgm:t>
+        <a:bodyPr/>
+        <a:lstStyle/>
+        <a:p>
+          <a:endParaRPr lang="en-ID"/>
+        </a:p>
+      </dgm:t>
+    </dgm:pt>
+    <dgm:pt modelId="{F753B001-5355-4F22-ABFB-722AC8443D88}">
+      <dgm:prSet custT="1"/>
+      <dgm:spPr>
+        <a:solidFill>
+          <a:srgbClr val="DAE3F3"/>
+        </a:solidFill>
+      </dgm:spPr>
+      <dgm:t>
+        <a:bodyPr/>
+        <a:lstStyle/>
+        <a:p>
+          <a:pPr algn="l"/>
+          <a:r>
+            <a:rPr lang="en-ID" sz="900" b="1" dirty="0">
+              <a:solidFill>
+                <a:srgbClr val="0563C1"/>
+              </a:solidFill>
+              <a:hlinkClick xmlns:r="http://schemas.openxmlformats.org/officeDocument/2006/relationships" r:id="rId4"/>
+            </a:rPr>
+            <a:t>https://github.com/louisowen6/NLP_bahasa_resources</a:t>
+          </a:r>
+          <a:endParaRPr lang="en-ID" sz="900" b="1" dirty="0">
+            <a:solidFill>
+              <a:srgbClr val="0563C1"/>
+            </a:solidFill>
+          </a:endParaRPr>
+        </a:p>
+        <a:p>
+          <a:pPr algn="l"/>
+          <a:r>
+            <a:rPr lang="en-ID" sz="900" b="0" dirty="0">
+              <a:solidFill>
+                <a:srgbClr val="0563C1"/>
+              </a:solidFill>
+            </a:rPr>
+            <a:t>- Dataset positive &amp; negative words</a:t>
+          </a:r>
+        </a:p>
+      </dgm:t>
+    </dgm:pt>
+    <dgm:pt modelId="{F8B3CB29-D20D-44F6-8295-4F4A99AE09AB}" type="parTrans" cxnId="{B4BBE38C-BFD6-4180-96D5-7DB9E25275B2}">
+      <dgm:prSet/>
+      <dgm:spPr/>
+      <dgm:t>
+        <a:bodyPr/>
+        <a:lstStyle/>
+        <a:p>
+          <a:endParaRPr lang="en-ID"/>
+        </a:p>
+      </dgm:t>
+    </dgm:pt>
+    <dgm:pt modelId="{8B528E7C-B229-418D-A34F-F31B14A93FEB}" type="sibTrans" cxnId="{B4BBE38C-BFD6-4180-96D5-7DB9E25275B2}">
       <dgm:prSet/>
       <dgm:spPr/>
       <dgm:t>
@@ -3517,7 +3698,7 @@
       <dgm:spPr/>
     </dgm:pt>
     <dgm:pt modelId="{35965975-1763-42E8-A0A9-2B7448BC0B63}" type="pres">
-      <dgm:prSet presAssocID="{4781C09F-9D19-4A35-BBE8-F64C47F4824E}" presName="LevelOneTextNode" presStyleLbl="node0" presStyleIdx="0" presStyleCnt="1" custLinFactNeighborX="3921" custLinFactNeighborY="1228">
+      <dgm:prSet presAssocID="{4781C09F-9D19-4A35-BBE8-F64C47F4824E}" presName="LevelOneTextNode" presStyleLbl="node0" presStyleIdx="0" presStyleCnt="1" custLinFactX="-100000" custLinFactNeighborX="-106045" custLinFactNeighborY="3743">
         <dgm:presLayoutVars>
           <dgm:chPref val="3"/>
         </dgm:presLayoutVars>
@@ -3529,11 +3710,11 @@
       <dgm:spPr/>
     </dgm:pt>
     <dgm:pt modelId="{F856F9A6-DB9F-4534-879E-7C1E083BDF37}" type="pres">
-      <dgm:prSet presAssocID="{553EC3AC-C1C9-4BD7-800C-FAA831928C3F}" presName="conn2-1" presStyleLbl="parChTrans1D2" presStyleIdx="0" presStyleCnt="3"/>
+      <dgm:prSet presAssocID="{553EC3AC-C1C9-4BD7-800C-FAA831928C3F}" presName="conn2-1" presStyleLbl="parChTrans1D2" presStyleIdx="0" presStyleCnt="4"/>
       <dgm:spPr/>
     </dgm:pt>
     <dgm:pt modelId="{D4791497-B878-4DD2-9A78-A9BF912BA82F}" type="pres">
-      <dgm:prSet presAssocID="{553EC3AC-C1C9-4BD7-800C-FAA831928C3F}" presName="connTx" presStyleLbl="parChTrans1D2" presStyleIdx="0" presStyleCnt="3"/>
+      <dgm:prSet presAssocID="{553EC3AC-C1C9-4BD7-800C-FAA831928C3F}" presName="connTx" presStyleLbl="parChTrans1D2" presStyleIdx="0" presStyleCnt="4"/>
       <dgm:spPr/>
     </dgm:pt>
     <dgm:pt modelId="{20A90858-A007-439B-A93C-850AB27E46C4}" type="pres">
@@ -3541,7 +3722,7 @@
       <dgm:spPr/>
     </dgm:pt>
     <dgm:pt modelId="{05FEF6E4-5CCC-4B28-8EB1-68270640A142}" type="pres">
-      <dgm:prSet presAssocID="{ED8A4D5A-218A-4FB0-A06E-375793C27C62}" presName="LevelTwoTextNode" presStyleLbl="node2" presStyleIdx="0" presStyleCnt="3" custLinFactNeighborX="1656" custLinFactNeighborY="-13378">
+      <dgm:prSet presAssocID="{ED8A4D5A-218A-4FB0-A06E-375793C27C62}" presName="LevelTwoTextNode" presStyleLbl="node2" presStyleIdx="0" presStyleCnt="4" custScaleX="57641" custLinFactNeighborX="-36665" custLinFactNeighborY="-409">
         <dgm:presLayoutVars>
           <dgm:chPref val="3"/>
         </dgm:presLayoutVars>
@@ -3553,11 +3734,11 @@
       <dgm:spPr/>
     </dgm:pt>
     <dgm:pt modelId="{573F8E7E-A554-4744-8989-B93E10893469}" type="pres">
-      <dgm:prSet presAssocID="{2DB84DC5-1CFE-462B-BB26-37ED1061BCBB}" presName="conn2-1" presStyleLbl="parChTrans1D3" presStyleIdx="0" presStyleCnt="3"/>
+      <dgm:prSet presAssocID="{2DB84DC5-1CFE-462B-BB26-37ED1061BCBB}" presName="conn2-1" presStyleLbl="parChTrans1D3" presStyleIdx="0" presStyleCnt="4"/>
       <dgm:spPr/>
     </dgm:pt>
     <dgm:pt modelId="{2381D428-C84D-4111-9894-0B2F5D048543}" type="pres">
-      <dgm:prSet presAssocID="{2DB84DC5-1CFE-462B-BB26-37ED1061BCBB}" presName="connTx" presStyleLbl="parChTrans1D3" presStyleIdx="0" presStyleCnt="3"/>
+      <dgm:prSet presAssocID="{2DB84DC5-1CFE-462B-BB26-37ED1061BCBB}" presName="connTx" presStyleLbl="parChTrans1D3" presStyleIdx="0" presStyleCnt="4"/>
       <dgm:spPr/>
     </dgm:pt>
     <dgm:pt modelId="{78F6A0C2-7054-45FF-B2D0-4C575CA9D085}" type="pres">
@@ -3565,7 +3746,7 @@
       <dgm:spPr/>
     </dgm:pt>
     <dgm:pt modelId="{C2EAB7C8-65E3-4058-9880-B1310133AB3F}" type="pres">
-      <dgm:prSet presAssocID="{70DA57E3-D873-4178-874D-95EF62358774}" presName="LevelTwoTextNode" presStyleLbl="node3" presStyleIdx="0" presStyleCnt="3" custScaleX="120551" custScaleY="184497" custLinFactNeighborX="4314" custLinFactNeighborY="-13378">
+      <dgm:prSet presAssocID="{70DA57E3-D873-4178-874D-95EF62358774}" presName="LevelTwoTextNode" presStyleLbl="node3" presStyleIdx="0" presStyleCnt="4" custScaleX="120551" custScaleY="184497" custLinFactNeighborX="4920" custLinFactNeighborY="-23560">
         <dgm:presLayoutVars>
           <dgm:chPref val="3"/>
         </dgm:presLayoutVars>
@@ -3577,11 +3758,11 @@
       <dgm:spPr/>
     </dgm:pt>
     <dgm:pt modelId="{F52C6B63-4661-4D7C-8522-9E266A2D887E}" type="pres">
-      <dgm:prSet presAssocID="{350A42B2-3627-4557-A408-5146A83F6037}" presName="conn2-1" presStyleLbl="parChTrans1D2" presStyleIdx="1" presStyleCnt="3"/>
+      <dgm:prSet presAssocID="{350A42B2-3627-4557-A408-5146A83F6037}" presName="conn2-1" presStyleLbl="parChTrans1D2" presStyleIdx="1" presStyleCnt="4"/>
       <dgm:spPr/>
     </dgm:pt>
     <dgm:pt modelId="{51F072A5-02B4-4B0B-BBBD-6565DB6CCCC2}" type="pres">
-      <dgm:prSet presAssocID="{350A42B2-3627-4557-A408-5146A83F6037}" presName="connTx" presStyleLbl="parChTrans1D2" presStyleIdx="1" presStyleCnt="3"/>
+      <dgm:prSet presAssocID="{350A42B2-3627-4557-A408-5146A83F6037}" presName="connTx" presStyleLbl="parChTrans1D2" presStyleIdx="1" presStyleCnt="4"/>
       <dgm:spPr/>
     </dgm:pt>
     <dgm:pt modelId="{FE6E2489-C02D-4B4D-B1D4-6346C7A86062}" type="pres">
@@ -3589,7 +3770,7 @@
       <dgm:spPr/>
     </dgm:pt>
     <dgm:pt modelId="{3F6DCDF8-B3B3-4864-84F1-E8EE86C59F4E}" type="pres">
-      <dgm:prSet presAssocID="{0691221E-BAAF-42D8-816E-AB49F1C97DD5}" presName="LevelTwoTextNode" presStyleLbl="node2" presStyleIdx="1" presStyleCnt="3" custLinFactNeighborX="1656" custLinFactNeighborY="197">
+      <dgm:prSet presAssocID="{0691221E-BAAF-42D8-816E-AB49F1C97DD5}" presName="LevelTwoTextNode" presStyleLbl="node2" presStyleIdx="1" presStyleCnt="4" custScaleX="57641" custLinFactNeighborX="-36665" custLinFactNeighborY="-2324">
         <dgm:presLayoutVars>
           <dgm:chPref val="3"/>
         </dgm:presLayoutVars>
@@ -3601,11 +3782,11 @@
       <dgm:spPr/>
     </dgm:pt>
     <dgm:pt modelId="{A0916046-837B-4104-ABA9-033E1E503F7A}" type="pres">
-      <dgm:prSet presAssocID="{1152F76D-DCF1-492E-8C2B-95E4FBBF72B3}" presName="conn2-1" presStyleLbl="parChTrans1D3" presStyleIdx="1" presStyleCnt="3"/>
+      <dgm:prSet presAssocID="{1152F76D-DCF1-492E-8C2B-95E4FBBF72B3}" presName="conn2-1" presStyleLbl="parChTrans1D3" presStyleIdx="1" presStyleCnt="4"/>
       <dgm:spPr/>
     </dgm:pt>
     <dgm:pt modelId="{FBF1A988-E645-464E-A190-C45474D008DF}" type="pres">
-      <dgm:prSet presAssocID="{1152F76D-DCF1-492E-8C2B-95E4FBBF72B3}" presName="connTx" presStyleLbl="parChTrans1D3" presStyleIdx="1" presStyleCnt="3"/>
+      <dgm:prSet presAssocID="{1152F76D-DCF1-492E-8C2B-95E4FBBF72B3}" presName="connTx" presStyleLbl="parChTrans1D3" presStyleIdx="1" presStyleCnt="4"/>
       <dgm:spPr/>
     </dgm:pt>
     <dgm:pt modelId="{B43348E4-8EC7-4193-AF9D-DE3C2F11D317}" type="pres">
@@ -3613,7 +3794,7 @@
       <dgm:spPr/>
     </dgm:pt>
     <dgm:pt modelId="{E6B50FA5-C20E-4DB6-8738-0FF675AB3619}" type="pres">
-      <dgm:prSet presAssocID="{21A26298-6215-4829-9F9D-9C917EF2E3BF}" presName="LevelTwoTextNode" presStyleLbl="node3" presStyleIdx="1" presStyleCnt="3" custScaleX="119135" custScaleY="74087" custLinFactNeighborX="5222" custLinFactNeighborY="-494">
+      <dgm:prSet presAssocID="{21A26298-6215-4829-9F9D-9C917EF2E3BF}" presName="LevelTwoTextNode" presStyleLbl="node3" presStyleIdx="1" presStyleCnt="4" custScaleX="119135" custScaleY="74087" custLinFactNeighborX="4532" custLinFactNeighborY="-4480">
         <dgm:presLayoutVars>
           <dgm:chPref val="3"/>
         </dgm:presLayoutVars>
@@ -3624,12 +3805,60 @@
       <dgm:prSet presAssocID="{21A26298-6215-4829-9F9D-9C917EF2E3BF}" presName="level3hierChild" presStyleCnt="0"/>
       <dgm:spPr/>
     </dgm:pt>
+    <dgm:pt modelId="{E5938F60-F07B-4584-98FB-211C7F0DC3D0}" type="pres">
+      <dgm:prSet presAssocID="{85799810-4233-46E2-ADBF-04E675986D3E}" presName="conn2-1" presStyleLbl="parChTrans1D2" presStyleIdx="2" presStyleCnt="4"/>
+      <dgm:spPr/>
+    </dgm:pt>
+    <dgm:pt modelId="{DE6F23D2-07F4-4B3F-9494-2FF6D30B2C4A}" type="pres">
+      <dgm:prSet presAssocID="{85799810-4233-46E2-ADBF-04E675986D3E}" presName="connTx" presStyleLbl="parChTrans1D2" presStyleIdx="2" presStyleCnt="4"/>
+      <dgm:spPr/>
+    </dgm:pt>
+    <dgm:pt modelId="{3B21F381-3F72-4BCD-8D68-DD40AFD6C531}" type="pres">
+      <dgm:prSet presAssocID="{041B48CF-8F2A-46D6-AB57-1204901271B3}" presName="root2" presStyleCnt="0"/>
+      <dgm:spPr/>
+    </dgm:pt>
+    <dgm:pt modelId="{81093083-EB62-4CFF-8826-BB4EEB96AA49}" type="pres">
+      <dgm:prSet presAssocID="{041B48CF-8F2A-46D6-AB57-1204901271B3}" presName="LevelTwoTextNode" presStyleLbl="node2" presStyleIdx="2" presStyleCnt="4" custScaleX="57641" custLinFactNeighborX="-36665" custLinFactNeighborY="15903">
+        <dgm:presLayoutVars>
+          <dgm:chPref val="3"/>
+        </dgm:presLayoutVars>
+      </dgm:prSet>
+      <dgm:spPr/>
+    </dgm:pt>
+    <dgm:pt modelId="{F2585F0A-059C-4A23-9350-853BF2FDF33F}" type="pres">
+      <dgm:prSet presAssocID="{041B48CF-8F2A-46D6-AB57-1204901271B3}" presName="level3hierChild" presStyleCnt="0"/>
+      <dgm:spPr/>
+    </dgm:pt>
+    <dgm:pt modelId="{B28717B8-B50F-4DAC-BCB7-3C0A7A076977}" type="pres">
+      <dgm:prSet presAssocID="{F8B3CB29-D20D-44F6-8295-4F4A99AE09AB}" presName="conn2-1" presStyleLbl="parChTrans1D3" presStyleIdx="2" presStyleCnt="4"/>
+      <dgm:spPr/>
+    </dgm:pt>
+    <dgm:pt modelId="{F6013E37-8C7F-453C-8E8D-BF6A7F0A9AB0}" type="pres">
+      <dgm:prSet presAssocID="{F8B3CB29-D20D-44F6-8295-4F4A99AE09AB}" presName="connTx" presStyleLbl="parChTrans1D3" presStyleIdx="2" presStyleCnt="4"/>
+      <dgm:spPr/>
+    </dgm:pt>
+    <dgm:pt modelId="{0EF49734-DC46-4F1D-81A6-0EB5F7200F82}" type="pres">
+      <dgm:prSet presAssocID="{F753B001-5355-4F22-ABFB-722AC8443D88}" presName="root2" presStyleCnt="0"/>
+      <dgm:spPr/>
+    </dgm:pt>
+    <dgm:pt modelId="{20934B84-5653-4BA4-8F3E-5605F1934B82}" type="pres">
+      <dgm:prSet presAssocID="{F753B001-5355-4F22-ABFB-722AC8443D88}" presName="LevelTwoTextNode" presStyleLbl="node3" presStyleIdx="2" presStyleCnt="4" custScaleX="121003" custLinFactNeighborX="4920" custLinFactNeighborY="15903">
+        <dgm:presLayoutVars>
+          <dgm:chPref val="3"/>
+        </dgm:presLayoutVars>
+      </dgm:prSet>
+      <dgm:spPr/>
+    </dgm:pt>
+    <dgm:pt modelId="{472EE464-C3E8-44D0-B88B-920CE9D58C46}" type="pres">
+      <dgm:prSet presAssocID="{F753B001-5355-4F22-ABFB-722AC8443D88}" presName="level3hierChild" presStyleCnt="0"/>
+      <dgm:spPr/>
+    </dgm:pt>
     <dgm:pt modelId="{2D2737F4-2433-454B-B201-985ED75C497C}" type="pres">
-      <dgm:prSet presAssocID="{9BE900EA-BDD6-4288-B86A-8112CA416207}" presName="conn2-1" presStyleLbl="parChTrans1D2" presStyleIdx="2" presStyleCnt="3"/>
+      <dgm:prSet presAssocID="{9BE900EA-BDD6-4288-B86A-8112CA416207}" presName="conn2-1" presStyleLbl="parChTrans1D2" presStyleIdx="3" presStyleCnt="4"/>
       <dgm:spPr/>
     </dgm:pt>
     <dgm:pt modelId="{88ECCA98-C1AA-4E9E-AD41-C0DF391D7F3A}" type="pres">
-      <dgm:prSet presAssocID="{9BE900EA-BDD6-4288-B86A-8112CA416207}" presName="connTx" presStyleLbl="parChTrans1D2" presStyleIdx="2" presStyleCnt="3"/>
+      <dgm:prSet presAssocID="{9BE900EA-BDD6-4288-B86A-8112CA416207}" presName="connTx" presStyleLbl="parChTrans1D2" presStyleIdx="3" presStyleCnt="4"/>
       <dgm:spPr/>
     </dgm:pt>
     <dgm:pt modelId="{007BBC22-4EA6-45E4-B623-6B090A3D0BAD}" type="pres">
@@ -3637,7 +3866,7 @@
       <dgm:spPr/>
     </dgm:pt>
     <dgm:pt modelId="{C299407E-F259-4A0E-8199-BC35C4758FCB}" type="pres">
-      <dgm:prSet presAssocID="{47D158F5-750F-4B5D-B114-B22CFFC1D2F8}" presName="LevelTwoTextNode" presStyleLbl="node2" presStyleIdx="2" presStyleCnt="3" custLinFactNeighborX="1656" custLinFactNeighborY="40575">
+      <dgm:prSet presAssocID="{47D158F5-750F-4B5D-B114-B22CFFC1D2F8}" presName="LevelTwoTextNode" presStyleLbl="node2" presStyleIdx="3" presStyleCnt="4" custScaleX="57641" custLinFactNeighborX="-36665" custLinFactNeighborY="13088">
         <dgm:presLayoutVars>
           <dgm:chPref val="3"/>
         </dgm:presLayoutVars>
@@ -3649,11 +3878,11 @@
       <dgm:spPr/>
     </dgm:pt>
     <dgm:pt modelId="{579CC114-B0C8-4452-9EA5-092619357013}" type="pres">
-      <dgm:prSet presAssocID="{EC9DF93B-A0F7-4203-A1FD-2D4F6CA2590F}" presName="conn2-1" presStyleLbl="parChTrans1D3" presStyleIdx="2" presStyleCnt="3"/>
+      <dgm:prSet presAssocID="{EC9DF93B-A0F7-4203-A1FD-2D4F6CA2590F}" presName="conn2-1" presStyleLbl="parChTrans1D3" presStyleIdx="3" presStyleCnt="4"/>
       <dgm:spPr/>
     </dgm:pt>
     <dgm:pt modelId="{154675CC-DA15-4004-A2E2-FB7D23B248E7}" type="pres">
-      <dgm:prSet presAssocID="{EC9DF93B-A0F7-4203-A1FD-2D4F6CA2590F}" presName="connTx" presStyleLbl="parChTrans1D3" presStyleIdx="2" presStyleCnt="3"/>
+      <dgm:prSet presAssocID="{EC9DF93B-A0F7-4203-A1FD-2D4F6CA2590F}" presName="connTx" presStyleLbl="parChTrans1D3" presStyleIdx="3" presStyleCnt="4"/>
       <dgm:spPr/>
     </dgm:pt>
     <dgm:pt modelId="{E6F4E524-B3F7-427D-9F3C-D60C41E30B6D}" type="pres">
@@ -3661,7 +3890,7 @@
       <dgm:spPr/>
     </dgm:pt>
     <dgm:pt modelId="{631DD2BD-E610-4DBC-B2AF-9692B85C6E47}" type="pres">
-      <dgm:prSet presAssocID="{43C1FEA2-79FD-47F6-9416-C2D2350F8B70}" presName="LevelTwoTextNode" presStyleLbl="node3" presStyleIdx="2" presStyleCnt="3" custScaleX="120551" custScaleY="54877" custLinFactNeighborX="5222" custLinFactNeighborY="39884">
+      <dgm:prSet presAssocID="{43C1FEA2-79FD-47F6-9416-C2D2350F8B70}" presName="LevelTwoTextNode" presStyleLbl="node3" presStyleIdx="3" presStyleCnt="4" custScaleX="120551" custScaleY="91628" custLinFactNeighborX="5608" custLinFactNeighborY="11384">
         <dgm:presLayoutVars>
           <dgm:chPref val="3"/>
         </dgm:presLayoutVars>
@@ -3674,11 +3903,16 @@
     </dgm:pt>
   </dgm:ptLst>
   <dgm:cxnLst>
+    <dgm:cxn modelId="{08D2A90A-79BA-4567-9246-091ECC0DDD98}" type="presOf" srcId="{F8B3CB29-D20D-44F6-8295-4F4A99AE09AB}" destId="{B28717B8-B50F-4DAC-BCB7-3C0A7A076977}" srcOrd="0" destOrd="0" presId="urn:microsoft.com/office/officeart/2008/layout/HorizontalMultiLevelHierarchy"/>
     <dgm:cxn modelId="{A0F3D70C-990D-40B5-A3F5-6F018DA6CD52}" type="presOf" srcId="{350A42B2-3627-4557-A408-5146A83F6037}" destId="{F52C6B63-4661-4D7C-8522-9E266A2D887E}" srcOrd="0" destOrd="0" presId="urn:microsoft.com/office/officeart/2008/layout/HorizontalMultiLevelHierarchy"/>
     <dgm:cxn modelId="{D7433F1D-7FA1-44CC-BCF8-346BE7FDEBA0}" type="presOf" srcId="{9BE900EA-BDD6-4288-B86A-8112CA416207}" destId="{88ECCA98-C1AA-4E9E-AD41-C0DF391D7F3A}" srcOrd="1" destOrd="0" presId="urn:microsoft.com/office/officeart/2008/layout/HorizontalMultiLevelHierarchy"/>
     <dgm:cxn modelId="{6CF85E1F-ED6F-4542-A859-E3E9F2CA1B0F}" type="presOf" srcId="{6C47AD6B-531E-4260-9D12-BBC278CA8734}" destId="{09EC65AE-E696-4DE4-977E-F156A7FD5995}" srcOrd="0" destOrd="0" presId="urn:microsoft.com/office/officeart/2008/layout/HorizontalMultiLevelHierarchy"/>
     <dgm:cxn modelId="{B3E0422A-BE9E-40D4-906A-EF614B51A3A6}" type="presOf" srcId="{1152F76D-DCF1-492E-8C2B-95E4FBBF72B3}" destId="{A0916046-837B-4104-ABA9-033E1E503F7A}" srcOrd="0" destOrd="0" presId="urn:microsoft.com/office/officeart/2008/layout/HorizontalMultiLevelHierarchy"/>
+    <dgm:cxn modelId="{6EDA6D34-479C-43B5-9AEB-84936164D58F}" type="presOf" srcId="{85799810-4233-46E2-ADBF-04E675986D3E}" destId="{DE6F23D2-07F4-4B3F-9494-2FF6D30B2C4A}" srcOrd="1" destOrd="0" presId="urn:microsoft.com/office/officeart/2008/layout/HorizontalMultiLevelHierarchy"/>
     <dgm:cxn modelId="{B9F44F38-9331-4BB4-AE25-961D29520D08}" type="presOf" srcId="{47D158F5-750F-4B5D-B114-B22CFFC1D2F8}" destId="{C299407E-F259-4A0E-8199-BC35C4758FCB}" srcOrd="0" destOrd="0" presId="urn:microsoft.com/office/officeart/2008/layout/HorizontalMultiLevelHierarchy"/>
+    <dgm:cxn modelId="{272C6E3C-777E-4BE8-B30E-8CD99FF4ECC7}" type="presOf" srcId="{F753B001-5355-4F22-ABFB-722AC8443D88}" destId="{20934B84-5653-4BA4-8F3E-5605F1934B82}" srcOrd="0" destOrd="0" presId="urn:microsoft.com/office/officeart/2008/layout/HorizontalMultiLevelHierarchy"/>
+    <dgm:cxn modelId="{E2E6EC3C-E3E7-4B4E-8A2E-4BA7ACAA6D39}" srcId="{4781C09F-9D19-4A35-BBE8-F64C47F4824E}" destId="{041B48CF-8F2A-46D6-AB57-1204901271B3}" srcOrd="2" destOrd="0" parTransId="{85799810-4233-46E2-ADBF-04E675986D3E}" sibTransId="{00C029F7-F372-481E-BCAE-A76AA1A18465}"/>
+    <dgm:cxn modelId="{C09D665C-7BBA-446D-A414-BF86950285DE}" type="presOf" srcId="{041B48CF-8F2A-46D6-AB57-1204901271B3}" destId="{81093083-EB62-4CFF-8826-BB4EEB96AA49}" srcOrd="0" destOrd="0" presId="urn:microsoft.com/office/officeart/2008/layout/HorizontalMultiLevelHierarchy"/>
     <dgm:cxn modelId="{FCD6D760-BE19-4F75-A937-1DF2AA282A95}" type="presOf" srcId="{4781C09F-9D19-4A35-BBE8-F64C47F4824E}" destId="{35965975-1763-42E8-A0A9-2B7448BC0B63}" srcOrd="0" destOrd="0" presId="urn:microsoft.com/office/officeart/2008/layout/HorizontalMultiLevelHierarchy"/>
     <dgm:cxn modelId="{2F83D068-DE1D-42A3-8759-0294C83753BD}" type="presOf" srcId="{553EC3AC-C1C9-4BD7-800C-FAA831928C3F}" destId="{F856F9A6-DB9F-4534-879E-7C1E083BDF37}" srcOrd="0" destOrd="0" presId="urn:microsoft.com/office/officeart/2008/layout/HorizontalMultiLevelHierarchy"/>
     <dgm:cxn modelId="{B7BF876A-C5C0-4E6C-B56E-A12D5CCBBCC6}" srcId="{4781C09F-9D19-4A35-BBE8-F64C47F4824E}" destId="{0691221E-BAAF-42D8-816E-AB49F1C97DD5}" srcOrd="1" destOrd="0" parTransId="{350A42B2-3627-4557-A408-5146A83F6037}" sibTransId="{AAB6290E-9B60-4363-AD74-A976C848BCF2}"/>
@@ -3687,12 +3921,15 @@
     <dgm:cxn modelId="{4380B557-B2B0-4060-9BD2-A61D092BE6A5}" srcId="{ED8A4D5A-218A-4FB0-A06E-375793C27C62}" destId="{70DA57E3-D873-4178-874D-95EF62358774}" srcOrd="0" destOrd="0" parTransId="{2DB84DC5-1CFE-462B-BB26-37ED1061BCBB}" sibTransId="{04170948-145F-4017-B478-3508CFA82020}"/>
     <dgm:cxn modelId="{B0E1F977-E51A-473C-8707-F5A60547759D}" type="presOf" srcId="{9BE900EA-BDD6-4288-B86A-8112CA416207}" destId="{2D2737F4-2433-454B-B201-985ED75C497C}" srcOrd="0" destOrd="0" presId="urn:microsoft.com/office/officeart/2008/layout/HorizontalMultiLevelHierarchy"/>
     <dgm:cxn modelId="{CD20217C-194F-4A11-A2D4-CE4718B0D90D}" type="presOf" srcId="{43C1FEA2-79FD-47F6-9416-C2D2350F8B70}" destId="{631DD2BD-E610-4DBC-B2AF-9692B85C6E47}" srcOrd="0" destOrd="0" presId="urn:microsoft.com/office/officeart/2008/layout/HorizontalMultiLevelHierarchy"/>
+    <dgm:cxn modelId="{2539677C-9D06-482D-A938-F5B9B0D17396}" type="presOf" srcId="{85799810-4233-46E2-ADBF-04E675986D3E}" destId="{E5938F60-F07B-4584-98FB-211C7F0DC3D0}" srcOrd="0" destOrd="0" presId="urn:microsoft.com/office/officeart/2008/layout/HorizontalMultiLevelHierarchy"/>
     <dgm:cxn modelId="{A109DD8A-A194-4689-9F4D-E98F86B1355F}" type="presOf" srcId="{21A26298-6215-4829-9F9D-9C917EF2E3BF}" destId="{E6B50FA5-C20E-4DB6-8738-0FF675AB3619}" srcOrd="0" destOrd="0" presId="urn:microsoft.com/office/officeart/2008/layout/HorizontalMultiLevelHierarchy"/>
+    <dgm:cxn modelId="{B4BBE38C-BFD6-4180-96D5-7DB9E25275B2}" srcId="{041B48CF-8F2A-46D6-AB57-1204901271B3}" destId="{F753B001-5355-4F22-ABFB-722AC8443D88}" srcOrd="0" destOrd="0" parTransId="{F8B3CB29-D20D-44F6-8295-4F4A99AE09AB}" sibTransId="{8B528E7C-B229-418D-A34F-F31B14A93FEB}"/>
+    <dgm:cxn modelId="{1F535E8F-8EA4-47B9-936D-05A591AB08B6}" type="presOf" srcId="{F8B3CB29-D20D-44F6-8295-4F4A99AE09AB}" destId="{F6013E37-8C7F-453C-8E8D-BF6A7F0A9AB0}" srcOrd="1" destOrd="0" presId="urn:microsoft.com/office/officeart/2008/layout/HorizontalMultiLevelHierarchy"/>
     <dgm:cxn modelId="{2B454997-EA43-4B5D-9B64-546F73505C7C}" type="presOf" srcId="{ED8A4D5A-218A-4FB0-A06E-375793C27C62}" destId="{05FEF6E4-5CCC-4B28-8EB1-68270640A142}" srcOrd="0" destOrd="0" presId="urn:microsoft.com/office/officeart/2008/layout/HorizontalMultiLevelHierarchy"/>
     <dgm:cxn modelId="{AA367897-3D53-4B50-BC1C-8959E3826817}" srcId="{0691221E-BAAF-42D8-816E-AB49F1C97DD5}" destId="{21A26298-6215-4829-9F9D-9C917EF2E3BF}" srcOrd="0" destOrd="0" parTransId="{1152F76D-DCF1-492E-8C2B-95E4FBBF72B3}" sibTransId="{5B6E1DCC-4935-4A55-A218-9F2E04E0F295}"/>
     <dgm:cxn modelId="{D3A5329D-04E5-47E0-AA6F-FF809B91074F}" type="presOf" srcId="{70DA57E3-D873-4178-874D-95EF62358774}" destId="{C2EAB7C8-65E3-4058-9880-B1310133AB3F}" srcOrd="0" destOrd="0" presId="urn:microsoft.com/office/officeart/2008/layout/HorizontalMultiLevelHierarchy"/>
     <dgm:cxn modelId="{F525529E-17F8-460A-AA35-57C6FDA713DE}" srcId="{47D158F5-750F-4B5D-B114-B22CFFC1D2F8}" destId="{43C1FEA2-79FD-47F6-9416-C2D2350F8B70}" srcOrd="0" destOrd="0" parTransId="{EC9DF93B-A0F7-4203-A1FD-2D4F6CA2590F}" sibTransId="{6EC0AFCE-DD60-42F1-A492-EDC486E67FB1}"/>
-    <dgm:cxn modelId="{0E7263A7-C94F-46D8-B2A2-744EE47CD2CB}" srcId="{4781C09F-9D19-4A35-BBE8-F64C47F4824E}" destId="{47D158F5-750F-4B5D-B114-B22CFFC1D2F8}" srcOrd="2" destOrd="0" parTransId="{9BE900EA-BDD6-4288-B86A-8112CA416207}" sibTransId="{1B00DAB1-3C0D-4A25-AFC3-E0551E793255}"/>
+    <dgm:cxn modelId="{0E7263A7-C94F-46D8-B2A2-744EE47CD2CB}" srcId="{4781C09F-9D19-4A35-BBE8-F64C47F4824E}" destId="{47D158F5-750F-4B5D-B114-B22CFFC1D2F8}" srcOrd="3" destOrd="0" parTransId="{9BE900EA-BDD6-4288-B86A-8112CA416207}" sibTransId="{1B00DAB1-3C0D-4A25-AFC3-E0551E793255}"/>
     <dgm:cxn modelId="{1A803BAA-FC4D-43CE-B6FD-57BAE0D6B6C5}" type="presOf" srcId="{2DB84DC5-1CFE-462B-BB26-37ED1061BCBB}" destId="{573F8E7E-A554-4744-8989-B93E10893469}" srcOrd="0" destOrd="0" presId="urn:microsoft.com/office/officeart/2008/layout/HorizontalMultiLevelHierarchy"/>
     <dgm:cxn modelId="{583418B9-845C-4834-9FF6-14A3A81ABC3A}" type="presOf" srcId="{EC9DF93B-A0F7-4203-A1FD-2D4F6CA2590F}" destId="{154675CC-DA15-4004-A2E2-FB7D23B248E7}" srcOrd="1" destOrd="0" presId="urn:microsoft.com/office/officeart/2008/layout/HorizontalMultiLevelHierarchy"/>
     <dgm:cxn modelId="{656D75B9-1496-47A7-8C49-269F3F0B7AFE}" type="presOf" srcId="{553EC3AC-C1C9-4BD7-800C-FAA831928C3F}" destId="{D4791497-B878-4DD2-9A78-A9BF912BA82F}" srcOrd="1" destOrd="0" presId="urn:microsoft.com/office/officeart/2008/layout/HorizontalMultiLevelHierarchy"/>
@@ -3724,9 +3961,19 @@
     <dgm:cxn modelId="{5237222F-ADD7-4264-9061-D7C8339CADFB}" type="presParOf" srcId="{532B06F4-7123-41D5-9339-A7C6B918C74F}" destId="{B43348E4-8EC7-4193-AF9D-DE3C2F11D317}" srcOrd="1" destOrd="0" presId="urn:microsoft.com/office/officeart/2008/layout/HorizontalMultiLevelHierarchy"/>
     <dgm:cxn modelId="{550F1302-9270-4251-BDAF-9C6E9F976AC6}" type="presParOf" srcId="{B43348E4-8EC7-4193-AF9D-DE3C2F11D317}" destId="{E6B50FA5-C20E-4DB6-8738-0FF675AB3619}" srcOrd="0" destOrd="0" presId="urn:microsoft.com/office/officeart/2008/layout/HorizontalMultiLevelHierarchy"/>
     <dgm:cxn modelId="{035C976D-927E-4365-98D4-77B6E2239D78}" type="presParOf" srcId="{B43348E4-8EC7-4193-AF9D-DE3C2F11D317}" destId="{8765CA51-EF9E-4899-80ED-DC22E6434E3D}" srcOrd="1" destOrd="0" presId="urn:microsoft.com/office/officeart/2008/layout/HorizontalMultiLevelHierarchy"/>
-    <dgm:cxn modelId="{A6EB3D65-A5DE-466D-9561-360C10CC5142}" type="presParOf" srcId="{291E05DC-2F58-46A1-B05B-BA2470D810F4}" destId="{2D2737F4-2433-454B-B201-985ED75C497C}" srcOrd="4" destOrd="0" presId="urn:microsoft.com/office/officeart/2008/layout/HorizontalMultiLevelHierarchy"/>
+    <dgm:cxn modelId="{1D6D1BBE-FE0B-41B1-BBB4-A6E2688FA7E7}" type="presParOf" srcId="{291E05DC-2F58-46A1-B05B-BA2470D810F4}" destId="{E5938F60-F07B-4584-98FB-211C7F0DC3D0}" srcOrd="4" destOrd="0" presId="urn:microsoft.com/office/officeart/2008/layout/HorizontalMultiLevelHierarchy"/>
+    <dgm:cxn modelId="{A21B17D8-FB8D-4769-8F27-C70851D6EE65}" type="presParOf" srcId="{E5938F60-F07B-4584-98FB-211C7F0DC3D0}" destId="{DE6F23D2-07F4-4B3F-9494-2FF6D30B2C4A}" srcOrd="0" destOrd="0" presId="urn:microsoft.com/office/officeart/2008/layout/HorizontalMultiLevelHierarchy"/>
+    <dgm:cxn modelId="{32F99C95-2310-4B2F-B6A8-B1E1844D935C}" type="presParOf" srcId="{291E05DC-2F58-46A1-B05B-BA2470D810F4}" destId="{3B21F381-3F72-4BCD-8D68-DD40AFD6C531}" srcOrd="5" destOrd="0" presId="urn:microsoft.com/office/officeart/2008/layout/HorizontalMultiLevelHierarchy"/>
+    <dgm:cxn modelId="{A3627DAC-24B5-4396-84A8-494B96C0A94F}" type="presParOf" srcId="{3B21F381-3F72-4BCD-8D68-DD40AFD6C531}" destId="{81093083-EB62-4CFF-8826-BB4EEB96AA49}" srcOrd="0" destOrd="0" presId="urn:microsoft.com/office/officeart/2008/layout/HorizontalMultiLevelHierarchy"/>
+    <dgm:cxn modelId="{847618FF-12FE-4166-96F8-38779938559D}" type="presParOf" srcId="{3B21F381-3F72-4BCD-8D68-DD40AFD6C531}" destId="{F2585F0A-059C-4A23-9350-853BF2FDF33F}" srcOrd="1" destOrd="0" presId="urn:microsoft.com/office/officeart/2008/layout/HorizontalMultiLevelHierarchy"/>
+    <dgm:cxn modelId="{74BF163B-1C91-402D-A68A-2D4470094D85}" type="presParOf" srcId="{F2585F0A-059C-4A23-9350-853BF2FDF33F}" destId="{B28717B8-B50F-4DAC-BCB7-3C0A7A076977}" srcOrd="0" destOrd="0" presId="urn:microsoft.com/office/officeart/2008/layout/HorizontalMultiLevelHierarchy"/>
+    <dgm:cxn modelId="{92737644-4DF7-4612-9994-5656D634B217}" type="presParOf" srcId="{B28717B8-B50F-4DAC-BCB7-3C0A7A076977}" destId="{F6013E37-8C7F-453C-8E8D-BF6A7F0A9AB0}" srcOrd="0" destOrd="0" presId="urn:microsoft.com/office/officeart/2008/layout/HorizontalMultiLevelHierarchy"/>
+    <dgm:cxn modelId="{165CECFF-110E-494D-BE35-5A1DDFE9E1E1}" type="presParOf" srcId="{F2585F0A-059C-4A23-9350-853BF2FDF33F}" destId="{0EF49734-DC46-4F1D-81A6-0EB5F7200F82}" srcOrd="1" destOrd="0" presId="urn:microsoft.com/office/officeart/2008/layout/HorizontalMultiLevelHierarchy"/>
+    <dgm:cxn modelId="{D3333A01-D6AB-4987-8555-05E0B385E90B}" type="presParOf" srcId="{0EF49734-DC46-4F1D-81A6-0EB5F7200F82}" destId="{20934B84-5653-4BA4-8F3E-5605F1934B82}" srcOrd="0" destOrd="0" presId="urn:microsoft.com/office/officeart/2008/layout/HorizontalMultiLevelHierarchy"/>
+    <dgm:cxn modelId="{8386B051-8E00-4AC5-8BF8-C164C57D35BB}" type="presParOf" srcId="{0EF49734-DC46-4F1D-81A6-0EB5F7200F82}" destId="{472EE464-C3E8-44D0-B88B-920CE9D58C46}" srcOrd="1" destOrd="0" presId="urn:microsoft.com/office/officeart/2008/layout/HorizontalMultiLevelHierarchy"/>
+    <dgm:cxn modelId="{A6EB3D65-A5DE-466D-9561-360C10CC5142}" type="presParOf" srcId="{291E05DC-2F58-46A1-B05B-BA2470D810F4}" destId="{2D2737F4-2433-454B-B201-985ED75C497C}" srcOrd="6" destOrd="0" presId="urn:microsoft.com/office/officeart/2008/layout/HorizontalMultiLevelHierarchy"/>
     <dgm:cxn modelId="{DC3332F3-4370-4A69-BCAC-59E473064A75}" type="presParOf" srcId="{2D2737F4-2433-454B-B201-985ED75C497C}" destId="{88ECCA98-C1AA-4E9E-AD41-C0DF391D7F3A}" srcOrd="0" destOrd="0" presId="urn:microsoft.com/office/officeart/2008/layout/HorizontalMultiLevelHierarchy"/>
-    <dgm:cxn modelId="{DCC5682E-5069-47F9-8CDD-4A8823C4D689}" type="presParOf" srcId="{291E05DC-2F58-46A1-B05B-BA2470D810F4}" destId="{007BBC22-4EA6-45E4-B623-6B090A3D0BAD}" srcOrd="5" destOrd="0" presId="urn:microsoft.com/office/officeart/2008/layout/HorizontalMultiLevelHierarchy"/>
+    <dgm:cxn modelId="{DCC5682E-5069-47F9-8CDD-4A8823C4D689}" type="presParOf" srcId="{291E05DC-2F58-46A1-B05B-BA2470D810F4}" destId="{007BBC22-4EA6-45E4-B623-6B090A3D0BAD}" srcOrd="7" destOrd="0" presId="urn:microsoft.com/office/officeart/2008/layout/HorizontalMultiLevelHierarchy"/>
     <dgm:cxn modelId="{283C2D8C-BE74-4A0D-8C1B-E1C4232F5A3E}" type="presParOf" srcId="{007BBC22-4EA6-45E4-B623-6B090A3D0BAD}" destId="{C299407E-F259-4A0E-8199-BC35C4758FCB}" srcOrd="0" destOrd="0" presId="urn:microsoft.com/office/officeart/2008/layout/HorizontalMultiLevelHierarchy"/>
     <dgm:cxn modelId="{6197058B-BD57-4A70-8722-595009984A81}" type="presParOf" srcId="{007BBC22-4EA6-45E4-B623-6B090A3D0BAD}" destId="{840C52EA-770B-4957-8EE5-B426FE3AE60B}" srcOrd="1" destOrd="0" presId="urn:microsoft.com/office/officeart/2008/layout/HorizontalMultiLevelHierarchy"/>
     <dgm:cxn modelId="{FA494875-E180-48C5-B3CD-56C5E56785F0}" type="presParOf" srcId="{840C52EA-770B-4957-8EE5-B426FE3AE60B}" destId="{579CC114-B0C8-4452-9EA5-092619357013}" srcOrd="0" destOrd="0" presId="urn:microsoft.com/office/officeart/2008/layout/HorizontalMultiLevelHierarchy"/>
@@ -4471,8 +4718,8 @@
       </dsp:nvSpPr>
       <dsp:spPr>
         <a:xfrm>
-          <a:off x="5974632" y="3703975"/>
-          <a:ext cx="653963" cy="91440"/>
+          <a:off x="4293714" y="4323962"/>
+          <a:ext cx="1755640" cy="91440"/>
         </a:xfrm>
         <a:custGeom>
           <a:avLst/>
@@ -4483,16 +4730,16 @@
           <a:pathLst>
             <a:path>
               <a:moveTo>
-                <a:pt x="0" y="51566"/>
+                <a:pt x="0" y="46430"/>
               </a:moveTo>
               <a:lnTo>
-                <a:pt x="326981" y="51566"/>
+                <a:pt x="877820" y="46430"/>
               </a:lnTo>
               <a:lnTo>
-                <a:pt x="326981" y="45720"/>
+                <a:pt x="877820" y="45720"/>
               </a:lnTo>
               <a:lnTo>
-                <a:pt x="653963" y="45720"/>
+                <a:pt x="1755640" y="45720"/>
               </a:lnTo>
             </a:path>
           </a:pathLst>
@@ -4531,7 +4778,7 @@
         </a:bodyPr>
         <a:lstStyle/>
         <a:p>
-          <a:pPr marL="0" lvl="0" indent="0" algn="ctr" defTabSz="222250">
+          <a:pPr marL="0" lvl="0" indent="0" algn="ctr" defTabSz="266700">
             <a:lnSpc>
               <a:spcPct val="90000"/>
             </a:lnSpc>
@@ -4543,12 +4790,12 @@
             </a:spcAft>
             <a:buNone/>
           </a:pPr>
-          <a:endParaRPr lang="en-ID" sz="500" kern="1200"/>
+          <a:endParaRPr lang="en-ID" sz="600" kern="1200"/>
         </a:p>
       </dsp:txBody>
       <dsp:txXfrm>
-        <a:off x="6285263" y="3733345"/>
-        <a:ext cx="32699" cy="32699"/>
+        <a:off x="5127643" y="4325791"/>
+        <a:ext cx="87782" cy="87782"/>
       </dsp:txXfrm>
     </dsp:sp>
     <dsp:sp modelId="{2D2737F4-2433-454B-B201-985ED75C497C}">
@@ -4558,8 +4805,8 @@
       </dsp:nvSpPr>
       <dsp:spPr>
         <a:xfrm>
-          <a:off x="2631816" y="2235144"/>
-          <a:ext cx="567786" cy="1520396"/>
+          <a:off x="1367469" y="2538232"/>
+          <a:ext cx="1301192" cy="1832160"/>
         </a:xfrm>
         <a:custGeom>
           <a:avLst/>
@@ -4573,13 +4820,181 @@
                 <a:pt x="0" y="0"/>
               </a:moveTo>
               <a:lnTo>
-                <a:pt x="283893" y="0"/>
+                <a:pt x="650596" y="0"/>
               </a:lnTo>
               <a:lnTo>
-                <a:pt x="283893" y="1520396"/>
+                <a:pt x="650596" y="1832160"/>
               </a:lnTo>
               <a:lnTo>
-                <a:pt x="567786" y="1520396"/>
+                <a:pt x="1301192" y="1832160"/>
+              </a:lnTo>
+            </a:path>
+          </a:pathLst>
+        </a:custGeom>
+        <a:noFill/>
+        <a:ln w="12700" cap="flat" cmpd="sng" algn="ctr">
+          <a:solidFill>
+            <a:schemeClr val="accent1">
+              <a:shade val="60000"/>
+              <a:hueOff val="0"/>
+              <a:satOff val="0"/>
+              <a:lumOff val="0"/>
+              <a:alphaOff val="0"/>
+            </a:schemeClr>
+          </a:solidFill>
+          <a:prstDash val="solid"/>
+          <a:miter lim="800000"/>
+        </a:ln>
+        <a:effectLst/>
+      </dsp:spPr>
+      <dsp:style>
+        <a:lnRef idx="2">
+          <a:scrgbClr r="0" g="0" b="0"/>
+        </a:lnRef>
+        <a:fillRef idx="0">
+          <a:scrgbClr r="0" g="0" b="0"/>
+        </a:fillRef>
+        <a:effectRef idx="0">
+          <a:scrgbClr r="0" g="0" b="0"/>
+        </a:effectRef>
+        <a:fontRef idx="minor"/>
+      </dsp:style>
+      <dsp:txBody>
+        <a:bodyPr spcFirstLastPara="0" vert="horz" wrap="square" lIns="12700" tIns="0" rIns="12700" bIns="0" numCol="1" spcCol="1270" anchor="ctr" anchorCtr="0">
+          <a:noAutofit/>
+        </a:bodyPr>
+        <a:lstStyle/>
+        <a:p>
+          <a:pPr marL="0" lvl="0" indent="0" algn="ctr" defTabSz="355600">
+            <a:lnSpc>
+              <a:spcPct val="90000"/>
+            </a:lnSpc>
+            <a:spcBef>
+              <a:spcPct val="0"/>
+            </a:spcBef>
+            <a:spcAft>
+              <a:spcPct val="35000"/>
+            </a:spcAft>
+            <a:buNone/>
+          </a:pPr>
+          <a:endParaRPr lang="en-ID" sz="800" kern="1200"/>
+        </a:p>
+      </dsp:txBody>
+      <dsp:txXfrm>
+        <a:off x="1961885" y="3398132"/>
+        <a:ext cx="112360" cy="112360"/>
+      </dsp:txXfrm>
+    </dsp:sp>
+    <dsp:sp modelId="{B28717B8-B50F-4DAC-BCB7-3C0A7A076977}">
+      <dsp:nvSpPr>
+        <dsp:cNvPr id="0" name=""/>
+        <dsp:cNvSpPr/>
+      </dsp:nvSpPr>
+      <dsp:spPr>
+        <a:xfrm>
+          <a:off x="4293714" y="3288389"/>
+          <a:ext cx="1736244" cy="91440"/>
+        </a:xfrm>
+        <a:custGeom>
+          <a:avLst/>
+          <a:gdLst/>
+          <a:ahLst/>
+          <a:cxnLst/>
+          <a:rect l="0" t="0" r="0" b="0"/>
+          <a:pathLst>
+            <a:path>
+              <a:moveTo>
+                <a:pt x="0" y="45720"/>
+              </a:moveTo>
+              <a:lnTo>
+                <a:pt x="1736244" y="45720"/>
+              </a:lnTo>
+            </a:path>
+          </a:pathLst>
+        </a:custGeom>
+        <a:noFill/>
+        <a:ln w="12700" cap="flat" cmpd="sng" algn="ctr">
+          <a:solidFill>
+            <a:schemeClr val="accent1">
+              <a:shade val="80000"/>
+              <a:hueOff val="0"/>
+              <a:satOff val="0"/>
+              <a:lumOff val="0"/>
+              <a:alphaOff val="0"/>
+            </a:schemeClr>
+          </a:solidFill>
+          <a:prstDash val="solid"/>
+          <a:miter lim="800000"/>
+        </a:ln>
+        <a:effectLst/>
+      </dsp:spPr>
+      <dsp:style>
+        <a:lnRef idx="2">
+          <a:scrgbClr r="0" g="0" b="0"/>
+        </a:lnRef>
+        <a:fillRef idx="0">
+          <a:scrgbClr r="0" g="0" b="0"/>
+        </a:fillRef>
+        <a:effectRef idx="0">
+          <a:scrgbClr r="0" g="0" b="0"/>
+        </a:effectRef>
+        <a:fontRef idx="minor"/>
+      </dsp:style>
+      <dsp:txBody>
+        <a:bodyPr spcFirstLastPara="0" vert="horz" wrap="square" lIns="12700" tIns="0" rIns="12700" bIns="0" numCol="1" spcCol="1270" anchor="ctr" anchorCtr="0">
+          <a:noAutofit/>
+        </a:bodyPr>
+        <a:lstStyle/>
+        <a:p>
+          <a:pPr marL="0" lvl="0" indent="0" algn="ctr" defTabSz="266700">
+            <a:lnSpc>
+              <a:spcPct val="90000"/>
+            </a:lnSpc>
+            <a:spcBef>
+              <a:spcPct val="0"/>
+            </a:spcBef>
+            <a:spcAft>
+              <a:spcPct val="35000"/>
+            </a:spcAft>
+            <a:buNone/>
+          </a:pPr>
+          <a:endParaRPr lang="en-ID" sz="600" kern="1200"/>
+        </a:p>
+      </dsp:txBody>
+      <dsp:txXfrm>
+        <a:off x="5118430" y="3290703"/>
+        <a:ext cx="86812" cy="86812"/>
+      </dsp:txXfrm>
+    </dsp:sp>
+    <dsp:sp modelId="{E5938F60-F07B-4584-98FB-211C7F0DC3D0}">
+      <dsp:nvSpPr>
+        <dsp:cNvPr id="0" name=""/>
+        <dsp:cNvSpPr/>
+      </dsp:nvSpPr>
+      <dsp:spPr>
+        <a:xfrm>
+          <a:off x="1367469" y="2538232"/>
+          <a:ext cx="1301192" cy="795877"/>
+        </a:xfrm>
+        <a:custGeom>
+          <a:avLst/>
+          <a:gdLst/>
+          <a:ahLst/>
+          <a:cxnLst/>
+          <a:rect l="0" t="0" r="0" b="0"/>
+          <a:pathLst>
+            <a:path>
+              <a:moveTo>
+                <a:pt x="0" y="0"/>
+              </a:moveTo>
+              <a:lnTo>
+                <a:pt x="650596" y="0"/>
+              </a:lnTo>
+              <a:lnTo>
+                <a:pt x="650596" y="795877"/>
+              </a:lnTo>
+              <a:lnTo>
+                <a:pt x="1301192" y="795877"/>
               </a:lnTo>
             </a:path>
           </a:pathLst>
@@ -4634,8 +5049,8 @@
         </a:p>
       </dsp:txBody>
       <dsp:txXfrm>
-        <a:off x="2875136" y="2954769"/>
-        <a:ext cx="81147" cy="81147"/>
+        <a:off x="1979933" y="2898038"/>
+        <a:ext cx="76264" cy="76264"/>
       </dsp:txXfrm>
     </dsp:sp>
     <dsp:sp modelId="{A0916046-837B-4104-ABA9-033E1E503F7A}">
@@ -4645,8 +5060,8 @@
       </dsp:nvSpPr>
       <dsp:spPr>
         <a:xfrm>
-          <a:off x="5974632" y="2304802"/>
-          <a:ext cx="653963" cy="91440"/>
+          <a:off x="4293714" y="2038776"/>
+          <a:ext cx="1725305" cy="91440"/>
         </a:xfrm>
         <a:custGeom>
           <a:avLst/>
@@ -4657,16 +5072,16 @@
           <a:pathLst>
             <a:path>
               <a:moveTo>
-                <a:pt x="0" y="51566"/>
+                <a:pt x="0" y="64251"/>
               </a:moveTo>
               <a:lnTo>
-                <a:pt x="326981" y="51566"/>
+                <a:pt x="862652" y="64251"/>
               </a:lnTo>
               <a:lnTo>
-                <a:pt x="326981" y="45720"/>
+                <a:pt x="862652" y="45720"/>
               </a:lnTo>
               <a:lnTo>
-                <a:pt x="653963" y="45720"/>
+                <a:pt x="1725305" y="45720"/>
               </a:lnTo>
             </a:path>
           </a:pathLst>
@@ -4705,7 +5120,7 @@
         </a:bodyPr>
         <a:lstStyle/>
         <a:p>
-          <a:pPr marL="0" lvl="0" indent="0" algn="ctr" defTabSz="222250">
+          <a:pPr marL="0" lvl="0" indent="0" algn="ctr" defTabSz="266700">
             <a:lnSpc>
               <a:spcPct val="90000"/>
             </a:lnSpc>
@@ -4717,12 +5132,12 @@
             </a:spcAft>
             <a:buNone/>
           </a:pPr>
-          <a:endParaRPr lang="en-ID" sz="500" kern="1200"/>
+          <a:endParaRPr lang="en-ID" sz="600" kern="1200"/>
         </a:p>
       </dsp:txBody>
       <dsp:txXfrm>
-        <a:off x="6285263" y="2334172"/>
-        <a:ext cx="32699" cy="32699"/>
+        <a:off x="5113231" y="2041361"/>
+        <a:ext cx="86270" cy="86270"/>
       </dsp:txXfrm>
     </dsp:sp>
     <dsp:sp modelId="{F52C6B63-4661-4D7C-8522-9E266A2D887E}">
@@ -4732,8 +5147,8 @@
       </dsp:nvSpPr>
       <dsp:spPr>
         <a:xfrm>
-          <a:off x="2631816" y="2235144"/>
-          <a:ext cx="567786" cy="121223"/>
+          <a:off x="1367469" y="2103027"/>
+          <a:ext cx="1301192" cy="435204"/>
         </a:xfrm>
         <a:custGeom>
           <a:avLst/>
@@ -4744,16 +5159,16 @@
           <a:pathLst>
             <a:path>
               <a:moveTo>
-                <a:pt x="0" y="0"/>
+                <a:pt x="0" y="435204"/>
               </a:moveTo>
               <a:lnTo>
-                <a:pt x="283893" y="0"/>
+                <a:pt x="650596" y="435204"/>
               </a:lnTo>
               <a:lnTo>
-                <a:pt x="283893" y="121223"/>
+                <a:pt x="650596" y="0"/>
               </a:lnTo>
               <a:lnTo>
-                <a:pt x="567786" y="121223"/>
+                <a:pt x="1301192" y="0"/>
               </a:lnTo>
             </a:path>
           </a:pathLst>
@@ -4808,8 +5223,8 @@
         </a:p>
       </dsp:txBody>
       <dsp:txXfrm>
-        <a:off x="2901195" y="2281242"/>
-        <a:ext cx="29029" cy="29029"/>
+        <a:off x="1983764" y="2286329"/>
+        <a:ext cx="68602" cy="68602"/>
       </dsp:txXfrm>
     </dsp:sp>
     <dsp:sp modelId="{573F8E7E-A554-4744-8989-B93E10893469}">
@@ -4819,8 +5234,8 @@
       </dsp:nvSpPr>
       <dsp:spPr>
         <a:xfrm>
-          <a:off x="5974632" y="890417"/>
-          <a:ext cx="628766" cy="91440"/>
+          <a:off x="4293714" y="747185"/>
+          <a:ext cx="1736244" cy="91440"/>
         </a:xfrm>
         <a:custGeom>
           <a:avLst/>
@@ -4831,10 +5246,16 @@
           <a:pathLst>
             <a:path>
               <a:moveTo>
-                <a:pt x="0" y="45720"/>
+                <a:pt x="0" y="46113"/>
               </a:moveTo>
               <a:lnTo>
-                <a:pt x="628766" y="45720"/>
+                <a:pt x="868122" y="46113"/>
+              </a:lnTo>
+              <a:lnTo>
+                <a:pt x="868122" y="45720"/>
+              </a:lnTo>
+              <a:lnTo>
+                <a:pt x="1736244" y="45720"/>
               </a:lnTo>
             </a:path>
           </a:pathLst>
@@ -4873,7 +5294,7 @@
         </a:bodyPr>
         <a:lstStyle/>
         <a:p>
-          <a:pPr marL="0" lvl="0" indent="0" algn="ctr" defTabSz="222250">
+          <a:pPr marL="0" lvl="0" indent="0" algn="ctr" defTabSz="266700">
             <a:lnSpc>
               <a:spcPct val="90000"/>
             </a:lnSpc>
@@ -4885,12 +5306,12 @@
             </a:spcAft>
             <a:buNone/>
           </a:pPr>
-          <a:endParaRPr lang="en-ID" sz="500" kern="1200"/>
+          <a:endParaRPr lang="en-ID" sz="600" kern="1200"/>
         </a:p>
       </dsp:txBody>
       <dsp:txXfrm>
-        <a:off x="6273295" y="920418"/>
-        <a:ext cx="31438" cy="31438"/>
+        <a:off x="5118430" y="749499"/>
+        <a:ext cx="86812" cy="86812"/>
       </dsp:txXfrm>
     </dsp:sp>
     <dsp:sp modelId="{F856F9A6-DB9F-4534-879E-7C1E083BDF37}">
@@ -4900,8 +5321,8 @@
       </dsp:nvSpPr>
       <dsp:spPr>
         <a:xfrm>
-          <a:off x="2631816" y="936137"/>
-          <a:ext cx="567786" cy="1299007"/>
+          <a:off x="1367469" y="793298"/>
+          <a:ext cx="1301192" cy="1744933"/>
         </a:xfrm>
         <a:custGeom>
           <a:avLst/>
@@ -4912,16 +5333,16 @@
           <a:pathLst>
             <a:path>
               <a:moveTo>
-                <a:pt x="0" y="1299007"/>
+                <a:pt x="0" y="1744933"/>
               </a:moveTo>
               <a:lnTo>
-                <a:pt x="283893" y="1299007"/>
+                <a:pt x="650596" y="1744933"/>
               </a:lnTo>
               <a:lnTo>
-                <a:pt x="283893" y="0"/>
+                <a:pt x="650596" y="0"/>
               </a:lnTo>
               <a:lnTo>
-                <a:pt x="567786" y="0"/>
+                <a:pt x="1301192" y="0"/>
               </a:lnTo>
             </a:path>
           </a:pathLst>
@@ -4960,7 +5381,7 @@
         </a:bodyPr>
         <a:lstStyle/>
         <a:p>
-          <a:pPr marL="0" lvl="0" indent="0" algn="ctr" defTabSz="222250">
+          <a:pPr marL="0" lvl="0" indent="0" algn="ctr" defTabSz="311150">
             <a:lnSpc>
               <a:spcPct val="90000"/>
             </a:lnSpc>
@@ -4972,12 +5393,12 @@
             </a:spcAft>
             <a:buNone/>
           </a:pPr>
-          <a:endParaRPr lang="en-ID" sz="500" kern="1200"/>
+          <a:endParaRPr lang="en-ID" sz="700" kern="1200"/>
         </a:p>
       </dsp:txBody>
       <dsp:txXfrm>
-        <a:off x="2880268" y="1550199"/>
-        <a:ext cx="70883" cy="70883"/>
+        <a:off x="1963648" y="1611348"/>
+        <a:ext cx="108833" cy="108833"/>
       </dsp:txXfrm>
     </dsp:sp>
     <dsp:sp modelId="{35965975-1763-42E8-A0A9-2B7448BC0B63}">
@@ -4987,8 +5408,8 @@
       </dsp:nvSpPr>
       <dsp:spPr>
         <a:xfrm rot="16200000">
-          <a:off x="-17641" y="1812122"/>
-          <a:ext cx="4452870" cy="846045"/>
+          <a:off x="-1324223" y="2108466"/>
+          <a:ext cx="4523852" cy="859532"/>
         </a:xfrm>
         <a:prstGeom prst="rect">
           <a:avLst/>
@@ -5020,12 +5441,12 @@
         </a:fontRef>
       </dsp:style>
       <dsp:txBody>
-        <a:bodyPr spcFirstLastPara="0" vert="horz" wrap="square" lIns="17780" tIns="17780" rIns="17780" bIns="17780" numCol="1" spcCol="1270" anchor="ctr" anchorCtr="0">
+        <a:bodyPr spcFirstLastPara="0" vert="horz" wrap="square" lIns="18415" tIns="18415" rIns="18415" bIns="18415" numCol="1" spcCol="1270" anchor="ctr" anchorCtr="0">
           <a:noAutofit/>
         </a:bodyPr>
         <a:lstStyle/>
         <a:p>
-          <a:pPr marL="0" lvl="0" indent="0" algn="ctr" defTabSz="1244600">
+          <a:pPr marL="0" lvl="0" indent="0" algn="ctr" defTabSz="1289050">
             <a:lnSpc>
               <a:spcPct val="90000"/>
             </a:lnSpc>
@@ -5038,7 +5459,7 @@
             <a:buNone/>
           </a:pPr>
           <a:r>
-            <a:rPr lang="en-ID" sz="2800" kern="1200" dirty="0">
+            <a:rPr lang="en-ID" sz="2900" kern="1200" dirty="0">
               <a:solidFill>
                 <a:srgbClr val="50698F"/>
               </a:solidFill>
@@ -5048,8 +5469,8 @@
         </a:p>
       </dsp:txBody>
       <dsp:txXfrm>
-        <a:off x="-17641" y="1812122"/>
-        <a:ext cx="4452870" cy="846045"/>
+        <a:off x="-1324223" y="2108466"/>
+        <a:ext cx="4523852" cy="859532"/>
       </dsp:txXfrm>
     </dsp:sp>
     <dsp:sp modelId="{05FEF6E4-5CCC-4B28-8EB1-68270640A142}">
@@ -5059,8 +5480,8 @@
       </dsp:nvSpPr>
       <dsp:spPr>
         <a:xfrm>
-          <a:off x="3199603" y="513114"/>
-          <a:ext cx="2775028" cy="846045"/>
+          <a:off x="2668661" y="363532"/>
+          <a:ext cx="1625052" cy="859532"/>
         </a:xfrm>
         <a:prstGeom prst="rect">
           <a:avLst/>
@@ -5097,12 +5518,12 @@
         </a:fontRef>
       </dsp:style>
       <dsp:txBody>
-        <a:bodyPr spcFirstLastPara="0" vert="horz" wrap="square" lIns="17780" tIns="17780" rIns="17780" bIns="17780" numCol="1" spcCol="1270" anchor="ctr" anchorCtr="0">
+        <a:bodyPr spcFirstLastPara="0" vert="horz" wrap="square" lIns="12700" tIns="12700" rIns="12700" bIns="12700" numCol="1" spcCol="1270" anchor="ctr" anchorCtr="0">
           <a:noAutofit/>
         </a:bodyPr>
         <a:lstStyle/>
         <a:p>
-          <a:pPr marL="0" lvl="0" indent="0" algn="ctr" defTabSz="1244600">
+          <a:pPr marL="0" lvl="0" indent="0" algn="ctr" defTabSz="889000">
             <a:lnSpc>
               <a:spcPct val="90000"/>
             </a:lnSpc>
@@ -5115,14 +5536,14 @@
             <a:buNone/>
           </a:pPr>
           <a:r>
-            <a:rPr lang="en-ID" sz="2800" kern="1200" dirty="0" err="1">
+            <a:rPr lang="en-ID" sz="2000" kern="1200" dirty="0" err="1">
               <a:solidFill>
                 <a:srgbClr val="50698F"/>
               </a:solidFill>
             </a:rPr>
-            <a:t>Github</a:t>
+            <a:t>Rizalespe</a:t>
           </a:r>
-          <a:endParaRPr lang="en-ID" sz="2800" kern="1200" dirty="0">
+          <a:endParaRPr lang="en-ID" sz="2000" kern="1200" dirty="0">
             <a:solidFill>
               <a:srgbClr val="50698F"/>
             </a:solidFill>
@@ -5130,8 +5551,8 @@
         </a:p>
       </dsp:txBody>
       <dsp:txXfrm>
-        <a:off x="3199603" y="513114"/>
-        <a:ext cx="2775028" cy="846045"/>
+        <a:off x="2668661" y="363532"/>
+        <a:ext cx="1625052" cy="859532"/>
       </dsp:txXfrm>
     </dsp:sp>
     <dsp:sp modelId="{C2EAB7C8-65E3-4058-9880-B1310133AB3F}">
@@ -5141,8 +5562,8 @@
       </dsp:nvSpPr>
       <dsp:spPr>
         <a:xfrm>
-          <a:off x="6603398" y="155673"/>
-          <a:ext cx="3345324" cy="1560928"/>
+          <a:off x="6029958" y="0"/>
+          <a:ext cx="3398652" cy="1585810"/>
         </a:xfrm>
         <a:prstGeom prst="rect">
           <a:avLst/>
@@ -5586,8 +6007,8 @@
         </a:p>
       </dsp:txBody>
       <dsp:txXfrm>
-        <a:off x="6603398" y="155673"/>
-        <a:ext cx="3345324" cy="1560928"/>
+        <a:off x="6029958" y="0"/>
+        <a:ext cx="3398652" cy="1585810"/>
       </dsp:txXfrm>
     </dsp:sp>
     <dsp:sp modelId="{3F6DCDF8-B3B3-4864-84F1-E8EE86C59F4E}">
@@ -5597,8 +6018,8 @@
       </dsp:nvSpPr>
       <dsp:spPr>
         <a:xfrm>
-          <a:off x="3199603" y="1933345"/>
-          <a:ext cx="2775028" cy="846045"/>
+          <a:off x="2668661" y="1673261"/>
+          <a:ext cx="1625052" cy="859532"/>
         </a:xfrm>
         <a:prstGeom prst="rect">
           <a:avLst/>
@@ -5635,12 +6056,12 @@
         </a:fontRef>
       </dsp:style>
       <dsp:txBody>
-        <a:bodyPr spcFirstLastPara="0" vert="horz" wrap="square" lIns="17780" tIns="17780" rIns="17780" bIns="17780" numCol="1" spcCol="1270" anchor="ctr" anchorCtr="0">
+        <a:bodyPr spcFirstLastPara="0" vert="horz" wrap="square" lIns="12700" tIns="12700" rIns="12700" bIns="12700" numCol="1" spcCol="1270" anchor="ctr" anchorCtr="0">
           <a:noAutofit/>
         </a:bodyPr>
         <a:lstStyle/>
         <a:p>
-          <a:pPr marL="0" lvl="0" indent="0" algn="ctr" defTabSz="1244600">
+          <a:pPr marL="0" lvl="0" indent="0" algn="ctr" defTabSz="889000">
             <a:lnSpc>
               <a:spcPct val="90000"/>
             </a:lnSpc>
@@ -5653,14 +6074,14 @@
             <a:buNone/>
           </a:pPr>
           <a:r>
-            <a:rPr lang="en-ID" sz="2800" kern="1200" dirty="0" err="1">
+            <a:rPr lang="en-ID" sz="2000" kern="1200" dirty="0" err="1">
               <a:solidFill>
                 <a:srgbClr val="50698F"/>
               </a:solidFill>
             </a:rPr>
             <a:t>IndoNLU</a:t>
           </a:r>
-          <a:endParaRPr lang="en-ID" sz="2800" kern="1200" dirty="0">
+          <a:endParaRPr lang="en-ID" sz="2000" kern="1200" dirty="0">
             <a:solidFill>
               <a:srgbClr val="50698F"/>
             </a:solidFill>
@@ -5668,8 +6089,8 @@
         </a:p>
       </dsp:txBody>
       <dsp:txXfrm>
-        <a:off x="3199603" y="1933345"/>
-        <a:ext cx="2775028" cy="846045"/>
+        <a:off x="2668661" y="1673261"/>
+        <a:ext cx="1625052" cy="859532"/>
       </dsp:txXfrm>
     </dsp:sp>
     <dsp:sp modelId="{E6B50FA5-C20E-4DB6-8738-0FF675AB3619}">
@@ -5679,8 +6100,8 @@
       </dsp:nvSpPr>
       <dsp:spPr>
         <a:xfrm>
-          <a:off x="6628595" y="2037117"/>
-          <a:ext cx="3306030" cy="626809"/>
+          <a:off x="6019019" y="1766095"/>
+          <a:ext cx="3358731" cy="636801"/>
         </a:xfrm>
         <a:prstGeom prst="rect">
           <a:avLst/>
@@ -5738,36 +6159,12 @@
             <a:buNone/>
           </a:pPr>
           <a:r>
-            <a:rPr lang="en-ID" sz="900" b="1" kern="1200" dirty="0" err="1">
-              <a:solidFill>
-                <a:srgbClr val="003781"/>
-              </a:solidFill>
-            </a:rPr>
-            <a:t>Github</a:t>
-          </a:r>
-          <a:r>
             <a:rPr lang="en-ID" sz="900" b="1" kern="1200" dirty="0">
               <a:solidFill>
                 <a:srgbClr val="003781"/>
               </a:solidFill>
             </a:rPr>
-            <a:t> – </a:t>
-          </a:r>
-          <a:r>
-            <a:rPr lang="en-ID" sz="900" b="1" kern="1200" dirty="0" err="1">
-              <a:solidFill>
-                <a:srgbClr val="003781"/>
-              </a:solidFill>
-            </a:rPr>
-            <a:t>indobenchmark</a:t>
-          </a:r>
-          <a:r>
-            <a:rPr lang="en-ID" sz="900" b="1" kern="1200" dirty="0">
-              <a:solidFill>
-                <a:srgbClr val="003781"/>
-              </a:solidFill>
-            </a:rPr>
-            <a:t> (</a:t>
+            <a:t>(</a:t>
           </a:r>
           <a:r>
             <a:rPr lang="en-ID" sz="900" b="1" kern="1200" dirty="0">
@@ -5794,23 +6191,88 @@
             </a:rPr>
             <a:t> </a:t>
           </a:r>
+        </a:p>
+        <a:p>
+          <a:pPr marL="0" lvl="0" indent="0" algn="l" defTabSz="400050">
+            <a:lnSpc>
+              <a:spcPct val="90000"/>
+            </a:lnSpc>
+            <a:spcBef>
+              <a:spcPct val="0"/>
+            </a:spcBef>
+            <a:spcAft>
+              <a:spcPct val="35000"/>
+            </a:spcAft>
+            <a:buNone/>
+          </a:pPr>
+          <a:r>
+            <a:rPr lang="en-ID" sz="900" kern="1200" dirty="0">
+              <a:solidFill>
+                <a:srgbClr val="003781"/>
+              </a:solidFill>
+            </a:rPr>
+            <a:t>- </a:t>
+          </a:r>
+          <a:r>
+            <a:rPr lang="en-ID" sz="900" kern="1200" dirty="0" err="1">
+              <a:solidFill>
+                <a:srgbClr val="003781"/>
+              </a:solidFill>
+            </a:rPr>
+            <a:t>smsa_doc</a:t>
+          </a:r>
+          <a:r>
+            <a:rPr lang="en-ID" sz="900" kern="1200" dirty="0">
+              <a:solidFill>
+                <a:srgbClr val="003781"/>
+              </a:solidFill>
+            </a:rPr>
+            <a:t>-sentiment-</a:t>
+          </a:r>
+          <a:r>
+            <a:rPr lang="en-ID" sz="900" kern="1200" dirty="0" err="1">
+              <a:solidFill>
+                <a:srgbClr val="003781"/>
+              </a:solidFill>
+            </a:rPr>
+            <a:t>prosa</a:t>
+          </a:r>
+          <a:endParaRPr lang="en-ID" sz="900" kern="1200" dirty="0">
+            <a:solidFill>
+              <a:srgbClr val="003781"/>
+            </a:solidFill>
+          </a:endParaRPr>
+        </a:p>
+        <a:p>
+          <a:pPr marL="0" lvl="0" indent="0" algn="l" defTabSz="400050">
+            <a:lnSpc>
+              <a:spcPct val="90000"/>
+            </a:lnSpc>
+            <a:spcBef>
+              <a:spcPct val="0"/>
+            </a:spcBef>
+            <a:spcAft>
+              <a:spcPct val="35000"/>
+            </a:spcAft>
+            <a:buNone/>
+          </a:pPr>
           <a:endParaRPr lang="en-ID" sz="600" kern="1200" dirty="0"/>
         </a:p>
       </dsp:txBody>
       <dsp:txXfrm>
-        <a:off x="6628595" y="2037117"/>
-        <a:ext cx="3306030" cy="626809"/>
+        <a:off x="6019019" y="1766095"/>
+        <a:ext cx="3358731" cy="636801"/>
       </dsp:txXfrm>
     </dsp:sp>
-    <dsp:sp modelId="{C299407E-F259-4A0E-8199-BC35C4758FCB}">
+    <dsp:sp modelId="{81093083-EB62-4CFF-8826-BB4EEB96AA49}">
       <dsp:nvSpPr>
         <dsp:cNvPr id="0" name=""/>
         <dsp:cNvSpPr/>
       </dsp:nvSpPr>
       <dsp:spPr>
         <a:xfrm>
-          <a:off x="3199603" y="3332518"/>
-          <a:ext cx="2775028" cy="846045"/>
+          <a:off x="2668661" y="2904343"/>
+          <a:ext cx="1625052" cy="859532"/>
         </a:xfrm>
         <a:prstGeom prst="rect">
           <a:avLst/>
@@ -5847,12 +6309,12 @@
         </a:fontRef>
       </dsp:style>
       <dsp:txBody>
-        <a:bodyPr spcFirstLastPara="0" vert="horz" wrap="square" lIns="17780" tIns="17780" rIns="17780" bIns="17780" numCol="1" spcCol="1270" anchor="ctr" anchorCtr="0">
+        <a:bodyPr spcFirstLastPara="0" vert="horz" wrap="square" lIns="12700" tIns="12700" rIns="12700" bIns="12700" numCol="1" spcCol="1270" anchor="ctr" anchorCtr="0">
           <a:noAutofit/>
         </a:bodyPr>
         <a:lstStyle/>
         <a:p>
-          <a:pPr marL="0" lvl="0" indent="0" algn="ctr" defTabSz="1244600">
+          <a:pPr marL="0" lvl="0" indent="0" algn="ctr" defTabSz="889000">
             <a:lnSpc>
               <a:spcPct val="90000"/>
             </a:lnSpc>
@@ -5865,18 +6327,201 @@
             <a:buNone/>
           </a:pPr>
           <a:r>
-            <a:rPr lang="en-ID" sz="2800" kern="1200" dirty="0">
+            <a:rPr lang="en-ID" sz="2000" kern="1200" dirty="0">
               <a:solidFill>
                 <a:srgbClr val="50698F"/>
               </a:solidFill>
             </a:rPr>
-            <a:t>Others</a:t>
+            <a:t>Louis Owen</a:t>
+          </a:r>
+          <a:endParaRPr lang="en-ID" sz="2000" kern="1200" dirty="0"/>
+        </a:p>
+      </dsp:txBody>
+      <dsp:txXfrm>
+        <a:off x="2668661" y="2904343"/>
+        <a:ext cx="1625052" cy="859532"/>
+      </dsp:txXfrm>
+    </dsp:sp>
+    <dsp:sp modelId="{20934B84-5653-4BA4-8F3E-5605F1934B82}">
+      <dsp:nvSpPr>
+        <dsp:cNvPr id="0" name=""/>
+        <dsp:cNvSpPr/>
+      </dsp:nvSpPr>
+      <dsp:spPr>
+        <a:xfrm>
+          <a:off x="6029958" y="2904343"/>
+          <a:ext cx="3411395" cy="859532"/>
+        </a:xfrm>
+        <a:prstGeom prst="rect">
+          <a:avLst/>
+        </a:prstGeom>
+        <a:solidFill>
+          <a:srgbClr val="DAE3F3"/>
+        </a:solidFill>
+        <a:ln w="12700" cap="flat" cmpd="sng" algn="ctr">
+          <a:solidFill>
+            <a:schemeClr val="lt1">
+              <a:hueOff val="0"/>
+              <a:satOff val="0"/>
+              <a:lumOff val="0"/>
+              <a:alphaOff val="0"/>
+            </a:schemeClr>
+          </a:solidFill>
+          <a:prstDash val="solid"/>
+          <a:miter lim="800000"/>
+        </a:ln>
+        <a:effectLst/>
+      </dsp:spPr>
+      <dsp:style>
+        <a:lnRef idx="2">
+          <a:scrgbClr r="0" g="0" b="0"/>
+        </a:lnRef>
+        <a:fillRef idx="1">
+          <a:scrgbClr r="0" g="0" b="0"/>
+        </a:fillRef>
+        <a:effectRef idx="0">
+          <a:scrgbClr r="0" g="0" b="0"/>
+        </a:effectRef>
+        <a:fontRef idx="minor">
+          <a:schemeClr val="lt1"/>
+        </a:fontRef>
+      </dsp:style>
+      <dsp:txBody>
+        <a:bodyPr spcFirstLastPara="0" vert="horz" wrap="square" lIns="5715" tIns="5715" rIns="5715" bIns="5715" numCol="1" spcCol="1270" anchor="ctr" anchorCtr="0">
+          <a:noAutofit/>
+        </a:bodyPr>
+        <a:lstStyle/>
+        <a:p>
+          <a:pPr marL="0" lvl="0" indent="0" algn="l" defTabSz="400050">
+            <a:lnSpc>
+              <a:spcPct val="90000"/>
+            </a:lnSpc>
+            <a:spcBef>
+              <a:spcPct val="0"/>
+            </a:spcBef>
+            <a:spcAft>
+              <a:spcPct val="35000"/>
+            </a:spcAft>
+            <a:buNone/>
+          </a:pPr>
+          <a:r>
+            <a:rPr lang="en-ID" sz="900" b="1" kern="1200" dirty="0">
+              <a:solidFill>
+                <a:srgbClr val="0563C1"/>
+              </a:solidFill>
+              <a:hlinkClick xmlns:r="http://schemas.openxmlformats.org/officeDocument/2006/relationships" r:id="rId3"/>
+            </a:rPr>
+            <a:t>https://github.com/louisowen6/NLP_bahasa_resources</a:t>
+          </a:r>
+          <a:endParaRPr lang="en-ID" sz="900" b="1" kern="1200" dirty="0">
+            <a:solidFill>
+              <a:srgbClr val="0563C1"/>
+            </a:solidFill>
+          </a:endParaRPr>
+        </a:p>
+        <a:p>
+          <a:pPr marL="0" lvl="0" indent="0" algn="l" defTabSz="400050">
+            <a:lnSpc>
+              <a:spcPct val="90000"/>
+            </a:lnSpc>
+            <a:spcBef>
+              <a:spcPct val="0"/>
+            </a:spcBef>
+            <a:spcAft>
+              <a:spcPct val="35000"/>
+            </a:spcAft>
+            <a:buNone/>
+          </a:pPr>
+          <a:r>
+            <a:rPr lang="en-ID" sz="900" b="0" kern="1200" dirty="0">
+              <a:solidFill>
+                <a:srgbClr val="0563C1"/>
+              </a:solidFill>
+            </a:rPr>
+            <a:t>- Dataset positive &amp; negative words</a:t>
           </a:r>
         </a:p>
       </dsp:txBody>
       <dsp:txXfrm>
-        <a:off x="3199603" y="3332518"/>
-        <a:ext cx="2775028" cy="846045"/>
+        <a:off x="6029958" y="2904343"/>
+        <a:ext cx="3411395" cy="859532"/>
+      </dsp:txXfrm>
+    </dsp:sp>
+    <dsp:sp modelId="{C299407E-F259-4A0E-8199-BC35C4758FCB}">
+      <dsp:nvSpPr>
+        <dsp:cNvPr id="0" name=""/>
+        <dsp:cNvSpPr/>
+      </dsp:nvSpPr>
+      <dsp:spPr>
+        <a:xfrm>
+          <a:off x="2668661" y="3940626"/>
+          <a:ext cx="1625052" cy="859532"/>
+        </a:xfrm>
+        <a:prstGeom prst="rect">
+          <a:avLst/>
+        </a:prstGeom>
+        <a:solidFill>
+          <a:srgbClr val="D6D4D7"/>
+        </a:solidFill>
+        <a:ln w="12700" cap="flat" cmpd="sng" algn="ctr">
+          <a:solidFill>
+            <a:schemeClr val="lt1">
+              <a:hueOff val="0"/>
+              <a:satOff val="0"/>
+              <a:lumOff val="0"/>
+              <a:alphaOff val="0"/>
+            </a:schemeClr>
+          </a:solidFill>
+          <a:prstDash val="solid"/>
+          <a:miter lim="800000"/>
+        </a:ln>
+        <a:effectLst/>
+      </dsp:spPr>
+      <dsp:style>
+        <a:lnRef idx="2">
+          <a:scrgbClr r="0" g="0" b="0"/>
+        </a:lnRef>
+        <a:fillRef idx="1">
+          <a:scrgbClr r="0" g="0" b="0"/>
+        </a:fillRef>
+        <a:effectRef idx="0">
+          <a:scrgbClr r="0" g="0" b="0"/>
+        </a:effectRef>
+        <a:fontRef idx="minor">
+          <a:schemeClr val="lt1"/>
+        </a:fontRef>
+      </dsp:style>
+      <dsp:txBody>
+        <a:bodyPr spcFirstLastPara="0" vert="horz" wrap="square" lIns="12700" tIns="12700" rIns="12700" bIns="12700" numCol="1" spcCol="1270" anchor="ctr" anchorCtr="0">
+          <a:noAutofit/>
+        </a:bodyPr>
+        <a:lstStyle/>
+        <a:p>
+          <a:pPr marL="0" lvl="0" indent="0" algn="ctr" defTabSz="889000">
+            <a:lnSpc>
+              <a:spcPct val="90000"/>
+            </a:lnSpc>
+            <a:spcBef>
+              <a:spcPct val="0"/>
+            </a:spcBef>
+            <a:spcAft>
+              <a:spcPct val="35000"/>
+            </a:spcAft>
+            <a:buNone/>
+          </a:pPr>
+          <a:r>
+            <a:rPr lang="en-ID" sz="2000" kern="1200" dirty="0">
+              <a:solidFill>
+                <a:srgbClr val="50698F"/>
+              </a:solidFill>
+            </a:rPr>
+            <a:t>Research Gate</a:t>
+          </a:r>
+        </a:p>
+      </dsp:txBody>
+      <dsp:txXfrm>
+        <a:off x="2668661" y="3940626"/>
+        <a:ext cx="1625052" cy="859532"/>
       </dsp:txXfrm>
     </dsp:sp>
     <dsp:sp modelId="{631DD2BD-E610-4DBC-B2AF-9692B85C6E47}">
@@ -5886,8 +6531,8 @@
       </dsp:nvSpPr>
       <dsp:spPr>
         <a:xfrm>
-          <a:off x="6628595" y="3517553"/>
-          <a:ext cx="3345324" cy="464284"/>
+          <a:off x="6049355" y="3975896"/>
+          <a:ext cx="3398652" cy="787572"/>
         </a:xfrm>
         <a:prstGeom prst="rect">
           <a:avLst/>
@@ -5950,15 +6595,88 @@
               <a:solidFill>
                 <a:srgbClr val="003781"/>
               </a:solidFill>
+              <a:hlinkClick xmlns:r="http://schemas.openxmlformats.org/officeDocument/2006/relationships" r:id="rId4"/>
             </a:rPr>
-            <a:t>Meltwater</a:t>
+            <a:t>https://www.researchgate.net/publication/339936724_Indonesian_Sentiment_Twitter_Dataset</a:t>
           </a:r>
-          <a:endParaRPr lang="en-ID" sz="900" kern="1200" dirty="0"/>
+          <a:endParaRPr lang="en-ID" sz="900" b="1" kern="1200" dirty="0">
+            <a:solidFill>
+              <a:srgbClr val="003781"/>
+            </a:solidFill>
+          </a:endParaRPr>
+        </a:p>
+        <a:p>
+          <a:pPr marL="0" lvl="0" indent="0" algn="l" defTabSz="400050">
+            <a:lnSpc>
+              <a:spcPct val="90000"/>
+            </a:lnSpc>
+            <a:spcBef>
+              <a:spcPct val="0"/>
+            </a:spcBef>
+            <a:spcAft>
+              <a:spcPct val="35000"/>
+            </a:spcAft>
+            <a:buFont typeface="+mj-lt"/>
+            <a:buNone/>
+          </a:pPr>
+          <a:r>
+            <a:rPr lang="en-ID" sz="900" b="0" kern="1200" dirty="0">
+              <a:solidFill>
+                <a:srgbClr val="003781"/>
+              </a:solidFill>
+            </a:rPr>
+            <a:t>- </a:t>
+          </a:r>
+          <a:r>
+            <a:rPr lang="en-ID" sz="900" b="0" kern="1200" dirty="0" err="1">
+              <a:solidFill>
+                <a:srgbClr val="003781"/>
+              </a:solidFill>
+            </a:rPr>
+            <a:t>Indonesian_Sentiment_Twitter_Dataset_Labeled</a:t>
+          </a:r>
+          <a:endParaRPr lang="en-ID" sz="900" b="0" kern="1200" dirty="0">
+            <a:solidFill>
+              <a:srgbClr val="003781"/>
+            </a:solidFill>
+          </a:endParaRPr>
+        </a:p>
+        <a:p>
+          <a:pPr marL="0" lvl="0" indent="0" algn="l" defTabSz="400050">
+            <a:lnSpc>
+              <a:spcPct val="90000"/>
+            </a:lnSpc>
+            <a:spcBef>
+              <a:spcPct val="0"/>
+            </a:spcBef>
+            <a:spcAft>
+              <a:spcPct val="35000"/>
+            </a:spcAft>
+            <a:buFont typeface="+mj-lt"/>
+            <a:buNone/>
+          </a:pPr>
+          <a:r>
+            <a:rPr lang="en-ID" sz="900" b="0" kern="1200" dirty="0">
+              <a:solidFill>
+                <a:srgbClr val="003781"/>
+              </a:solidFill>
+            </a:rPr>
+            <a:t>- </a:t>
+          </a:r>
+          <a:r>
+            <a:rPr lang="en-ID" sz="900" b="0" kern="1200" dirty="0" err="1">
+              <a:solidFill>
+                <a:srgbClr val="003781"/>
+              </a:solidFill>
+            </a:rPr>
+            <a:t>Indonesian_Sentiment_Twitter_Dataset_Unlabeled</a:t>
+          </a:r>
+          <a:endParaRPr lang="en-ID" sz="900" b="0" kern="1200" dirty="0"/>
         </a:p>
       </dsp:txBody>
       <dsp:txXfrm>
-        <a:off x="6628595" y="3517553"/>
-        <a:ext cx="3345324" cy="464284"/>
+        <a:off x="6049355" y="3975896"/>
+        <a:ext cx="3398652" cy="787572"/>
       </dsp:txXfrm>
     </dsp:sp>
   </dsp:spTree>
@@ -11387,7 +12105,7 @@
           <a:p>
             <a:fld id="{A64D9B6F-F621-4A62-84F4-5FFAE9A4C545}" type="datetimeFigureOut">
               <a:rPr lang="en-GB" smtClean="0"/>
-              <a:t>06/03/2021</a:t>
+              <a:t>07/03/2021</a:t>
             </a:fld>
             <a:endParaRPr lang="en-GB"/>
           </a:p>
@@ -11552,7 +12270,7 @@
           <a:p>
             <a:fld id="{7D789E00-45B7-44B8-8E59-84DE0BD71A0D}" type="datetimeFigureOut">
               <a:rPr lang="de-DE" smtClean="0"/>
-              <a:t>06.03.2021</a:t>
+              <a:t>07.03.2021</a:t>
             </a:fld>
             <a:endParaRPr lang="de-DE"/>
           </a:p>
@@ -12052,7 +12770,7 @@
           <a:p>
             <a:fld id="{1153D9D2-4109-4658-A169-3AF16B615417}" type="datetime5">
               <a:rPr lang="en-US" smtClean="0"/>
-              <a:t>6-Mar-21</a:t>
+              <a:t>7-Mar-21</a:t>
             </a:fld>
             <a:endParaRPr lang="en-GB"/>
           </a:p>
@@ -12258,7 +12976,7 @@
           <a:p>
             <a:fld id="{1153D9D2-4109-4658-A169-3AF16B615417}" type="datetime5">
               <a:rPr lang="en-US" smtClean="0"/>
-              <a:t>6-Mar-21</a:t>
+              <a:t>7-Mar-21</a:t>
             </a:fld>
             <a:endParaRPr lang="en-GB"/>
           </a:p>
@@ -12474,7 +13192,7 @@
           <a:p>
             <a:fld id="{1153D9D2-4109-4658-A169-3AF16B615417}" type="datetime5">
               <a:rPr lang="en-US" smtClean="0"/>
-              <a:t>6-Mar-21</a:t>
+              <a:t>7-Mar-21</a:t>
             </a:fld>
             <a:endParaRPr lang="en-GB"/>
           </a:p>
@@ -12984,7 +13702,7 @@
           <a:p>
             <a:fld id="{1153D9D2-4109-4658-A169-3AF16B615417}" type="datetime5">
               <a:rPr lang="en-US" smtClean="0"/>
-              <a:t>6-Mar-21</a:t>
+              <a:t>7-Mar-21</a:t>
             </a:fld>
             <a:endParaRPr lang="en-GB"/>
           </a:p>
@@ -13177,7 +13895,7 @@
           <a:p>
             <a:fld id="{1153D9D2-4109-4658-A169-3AF16B615417}" type="datetime5">
               <a:rPr lang="en-US" smtClean="0"/>
-              <a:t>6-Mar-21</a:t>
+              <a:t>7-Mar-21</a:t>
             </a:fld>
             <a:endParaRPr lang="en-GB"/>
           </a:p>
@@ -13459,7 +14177,7 @@
           <a:p>
             <a:fld id="{1153D9D2-4109-4658-A169-3AF16B615417}" type="datetime5">
               <a:rPr lang="en-US" smtClean="0"/>
-              <a:t>6-Mar-21</a:t>
+              <a:t>7-Mar-21</a:t>
             </a:fld>
             <a:endParaRPr lang="en-GB"/>
           </a:p>
@@ -13733,7 +14451,7 @@
           <a:p>
             <a:fld id="{1153D9D2-4109-4658-A169-3AF16B615417}" type="datetime5">
               <a:rPr lang="en-US" smtClean="0"/>
-              <a:t>6-Mar-21</a:t>
+              <a:t>7-Mar-21</a:t>
             </a:fld>
             <a:endParaRPr lang="en-GB"/>
           </a:p>
@@ -14154,7 +14872,7 @@
           <a:p>
             <a:fld id="{1153D9D2-4109-4658-A169-3AF16B615417}" type="datetime5">
               <a:rPr lang="en-US" smtClean="0"/>
-              <a:t>6-Mar-21</a:t>
+              <a:t>7-Mar-21</a:t>
             </a:fld>
             <a:endParaRPr lang="en-GB"/>
           </a:p>
@@ -14302,7 +15020,7 @@
           <a:p>
             <a:fld id="{1153D9D2-4109-4658-A169-3AF16B615417}" type="datetime5">
               <a:rPr lang="en-US" smtClean="0"/>
-              <a:t>6-Mar-21</a:t>
+              <a:t>7-Mar-21</a:t>
             </a:fld>
             <a:endParaRPr lang="en-GB"/>
           </a:p>
@@ -14421,7 +15139,7 @@
           <a:p>
             <a:fld id="{1153D9D2-4109-4658-A169-3AF16B615417}" type="datetime5">
               <a:rPr lang="en-US" smtClean="0"/>
-              <a:t>6-Mar-21</a:t>
+              <a:t>7-Mar-21</a:t>
             </a:fld>
             <a:endParaRPr lang="en-GB"/>
           </a:p>
@@ -14740,7 +15458,7 @@
           <a:p>
             <a:fld id="{1153D9D2-4109-4658-A169-3AF16B615417}" type="datetime5">
               <a:rPr lang="en-US" smtClean="0"/>
-              <a:t>6-Mar-21</a:t>
+              <a:t>7-Mar-21</a:t>
             </a:fld>
             <a:endParaRPr lang="en-GB"/>
           </a:p>
@@ -15035,7 +15753,7 @@
           <a:p>
             <a:fld id="{1153D9D2-4109-4658-A169-3AF16B615417}" type="datetime5">
               <a:rPr lang="en-US" smtClean="0"/>
-              <a:t>6-Mar-21</a:t>
+              <a:t>7-Mar-21</a:t>
             </a:fld>
             <a:endParaRPr lang="en-GB"/>
           </a:p>
@@ -15284,7 +16002,7 @@
           <a:p>
             <a:fld id="{1153D9D2-4109-4658-A169-3AF16B615417}" type="datetime5">
               <a:rPr lang="en-US" smtClean="0"/>
-              <a:t>6-Mar-21</a:t>
+              <a:t>7-Mar-21</a:t>
             </a:fld>
             <a:endParaRPr lang="en-GB"/>
           </a:p>
@@ -16033,7 +16751,7 @@
           <a:p>
             <a:fld id="{1153D9D2-4109-4658-A169-3AF16B615417}" type="datetime5">
               <a:rPr lang="en-US" smtClean="0"/>
-              <a:t>6-Mar-21</a:t>
+              <a:t>7-Mar-21</a:t>
             </a:fld>
             <a:endParaRPr lang="en-GB"/>
           </a:p>
@@ -16205,7 +16923,7 @@
           <a:p>
             <a:fld id="{1153D9D2-4109-4658-A169-3AF16B615417}" type="datetime5">
               <a:rPr lang="en-US" smtClean="0"/>
-              <a:t>6-Mar-21</a:t>
+              <a:t>7-Mar-21</a:t>
             </a:fld>
             <a:endParaRPr lang="en-GB" dirty="0"/>
           </a:p>
@@ -16644,7 +17362,7 @@
         </p:nvSpPr>
         <p:spPr>
           <a:xfrm>
-            <a:off x="507934" y="4781203"/>
+            <a:off x="507934" y="4956046"/>
             <a:ext cx="856456" cy="916395"/>
           </a:xfrm>
           <a:prstGeom prst="rect">
@@ -16703,7 +17421,7 @@
         </p:nvSpPr>
         <p:spPr>
           <a:xfrm>
-            <a:off x="1447006" y="4778951"/>
+            <a:off x="1447006" y="4953794"/>
             <a:ext cx="10591800" cy="904160"/>
           </a:xfrm>
           <a:prstGeom prst="rect">
@@ -16808,7 +17526,7 @@
         <p:spPr>
           <a:xfrm>
             <a:off x="507934" y="4240766"/>
-            <a:ext cx="856456" cy="470520"/>
+            <a:ext cx="856456" cy="636828"/>
           </a:xfrm>
           <a:prstGeom prst="rect">
             <a:avLst/>
@@ -16867,7 +17585,7 @@
         <p:spPr>
           <a:xfrm>
             <a:off x="1447006" y="4238513"/>
-            <a:ext cx="10591800" cy="464238"/>
+            <a:ext cx="10591800" cy="628326"/>
           </a:xfrm>
           <a:prstGeom prst="rect">
             <a:avLst/>
@@ -17004,7 +17722,10 @@
           <a:bodyPr/>
           <a:lstStyle/>
           <a:p>
-            <a:endParaRPr lang="en-ID"/>
+            <a:r>
+              <a:rPr lang="en-ID" b="1" dirty="0"/>
+              <a:t>ABOUT ONLINE SENTIMENT DETECTOR</a:t>
+            </a:r>
           </a:p>
         </p:txBody>
       </p:sp>
@@ -17058,7 +17779,7 @@
           <a:p>
             <a:fld id="{1153D9D2-4109-4658-A169-3AF16B615417}" type="datetime5">
               <a:rPr lang="en-US" smtClean="0"/>
-              <a:t>6-Mar-21</a:t>
+              <a:t>7-Mar-21</a:t>
             </a:fld>
             <a:endParaRPr lang="en-GB"/>
           </a:p>
@@ -17513,7 +18234,7 @@
           <a:p>
             <a:r>
               <a:rPr lang="en-ID" b="1" dirty="0"/>
-              <a:t>PROTOTYPE</a:t>
+              <a:t>DASHBOARD PROTOTYPE</a:t>
             </a:r>
           </a:p>
         </p:txBody>
@@ -17568,7 +18289,7 @@
           <a:p>
             <a:fld id="{1153D9D2-4109-4658-A169-3AF16B615417}" type="datetime5">
               <a:rPr lang="en-US" smtClean="0"/>
-              <a:t>6-Mar-21</a:t>
+              <a:t>7-Mar-21</a:t>
             </a:fld>
             <a:endParaRPr lang="en-GB" dirty="0"/>
           </a:p>
@@ -17604,46 +18325,6 @@
           </a:p>
         </p:txBody>
       </p:sp>
-      <p:pic>
-        <p:nvPicPr>
-          <p:cNvPr id="9" name="Picture 8">
-            <a:extLst>
-              <a:ext uri="{FF2B5EF4-FFF2-40B4-BE49-F238E27FC236}">
-                <a16:creationId xmlns:a16="http://schemas.microsoft.com/office/drawing/2014/main" id="{72B2CB2E-B558-4F9B-AEFA-C9598C43B666}"/>
-              </a:ext>
-            </a:extLst>
-          </p:cNvPr>
-          <p:cNvPicPr>
-            <a:picLocks noChangeAspect="1"/>
-          </p:cNvPicPr>
-          <p:nvPr/>
-        </p:nvPicPr>
-        <p:blipFill>
-          <a:blip r:embed="rId2"/>
-          <a:stretch>
-            <a:fillRect/>
-          </a:stretch>
-        </p:blipFill>
-        <p:spPr>
-          <a:xfrm>
-            <a:off x="913606" y="3064051"/>
-            <a:ext cx="3047999" cy="1009298"/>
-          </a:xfrm>
-          <a:prstGeom prst="rect">
-            <a:avLst/>
-          </a:prstGeom>
-          <a:ln>
-            <a:noFill/>
-          </a:ln>
-          <a:effectLst>
-            <a:outerShdw blurRad="292100" dist="139700" dir="2700000" algn="tl" rotWithShape="0">
-              <a:srgbClr val="333333">
-                <a:alpha val="65000"/>
-              </a:srgbClr>
-            </a:outerShdw>
-          </a:effectLst>
-        </p:spPr>
-      </p:pic>
       <p:grpSp>
         <p:nvGrpSpPr>
           <p:cNvPr id="25" name="Group 24">
@@ -17658,8 +18339,8 @@
         </p:nvGrpSpPr>
         <p:grpSpPr>
           <a:xfrm>
-            <a:off x="5409406" y="630057"/>
-            <a:ext cx="5929277" cy="3686804"/>
+            <a:off x="1751806" y="1028700"/>
+            <a:ext cx="8839200" cy="5496184"/>
             <a:chOff x="4324844" y="760369"/>
             <a:chExt cx="5929277" cy="3686804"/>
           </a:xfrm>
@@ -17699,7 +18380,7 @@
               <p:nvPr/>
             </p:nvPicPr>
             <p:blipFill>
-              <a:blip r:embed="rId3"/>
+              <a:blip r:embed="rId2"/>
               <a:stretch>
                 <a:fillRect/>
               </a:stretch>
@@ -17739,7 +18420,7 @@
               <p:nvPr/>
             </p:nvPicPr>
             <p:blipFill>
-              <a:blip r:embed="rId4"/>
+              <a:blip r:embed="rId3"/>
               <a:stretch>
                 <a:fillRect/>
               </a:stretch>
@@ -17779,7 +18460,7 @@
               <p:nvPr/>
             </p:nvPicPr>
             <p:blipFill>
-              <a:blip r:embed="rId5"/>
+              <a:blip r:embed="rId4"/>
               <a:stretch>
                 <a:fillRect/>
               </a:stretch>
@@ -17819,7 +18500,7 @@
               <p:nvPr/>
             </p:nvPicPr>
             <p:blipFill>
-              <a:blip r:embed="rId6"/>
+              <a:blip r:embed="rId5"/>
               <a:stretch>
                 <a:fillRect/>
               </a:stretch>
@@ -17987,214 +18668,6 @@
           </p:txBody>
         </p:sp>
       </p:grpSp>
-      <p:grpSp>
-        <p:nvGrpSpPr>
-          <p:cNvPr id="24" name="Group 23">
-            <a:extLst>
-              <a:ext uri="{FF2B5EF4-FFF2-40B4-BE49-F238E27FC236}">
-                <a16:creationId xmlns:a16="http://schemas.microsoft.com/office/drawing/2014/main" id="{096A220B-2C2E-4F1A-8A1C-A8E5763CB184}"/>
-              </a:ext>
-            </a:extLst>
-          </p:cNvPr>
-          <p:cNvGrpSpPr/>
-          <p:nvPr/>
-        </p:nvGrpSpPr>
-        <p:grpSpPr>
-          <a:xfrm>
-            <a:off x="5373846" y="4856849"/>
-            <a:ext cx="3429000" cy="1650495"/>
-            <a:chOff x="4329131" y="5146535"/>
-            <a:chExt cx="3429000" cy="1650495"/>
-          </a:xfrm>
-        </p:grpSpPr>
-        <p:pic>
-          <p:nvPicPr>
-            <p:cNvPr id="13" name="Picture 12">
-              <a:extLst>
-                <a:ext uri="{FF2B5EF4-FFF2-40B4-BE49-F238E27FC236}">
-                  <a16:creationId xmlns:a16="http://schemas.microsoft.com/office/drawing/2014/main" id="{25E93D5E-6BD5-45F3-9D03-434A98C7AA7D}"/>
-                </a:ext>
-              </a:extLst>
-            </p:cNvPr>
-            <p:cNvPicPr>
-              <a:picLocks noChangeAspect="1"/>
-            </p:cNvPicPr>
-            <p:nvPr/>
-          </p:nvPicPr>
-          <p:blipFill>
-            <a:blip r:embed="rId7"/>
-            <a:stretch>
-              <a:fillRect/>
-            </a:stretch>
-          </p:blipFill>
-          <p:spPr>
-            <a:xfrm>
-              <a:off x="4329131" y="5597951"/>
-              <a:ext cx="3429000" cy="1199079"/>
-            </a:xfrm>
-            <a:prstGeom prst="rect">
-              <a:avLst/>
-            </a:prstGeom>
-            <a:ln>
-              <a:noFill/>
-            </a:ln>
-            <a:effectLst>
-              <a:outerShdw blurRad="292100" dist="139700" dir="2700000" algn="tl" rotWithShape="0">
-                <a:srgbClr val="333333">
-                  <a:alpha val="65000"/>
-                </a:srgbClr>
-              </a:outerShdw>
-            </a:effectLst>
-          </p:spPr>
-        </p:pic>
-        <p:sp>
-          <p:nvSpPr>
-            <p:cNvPr id="23" name="Rectangle 22">
-              <a:extLst>
-                <a:ext uri="{FF2B5EF4-FFF2-40B4-BE49-F238E27FC236}">
-                  <a16:creationId xmlns:a16="http://schemas.microsoft.com/office/drawing/2014/main" id="{D6F2CFAC-1ABA-4220-AE1C-6786062F8656}"/>
-                </a:ext>
-              </a:extLst>
-            </p:cNvPr>
-            <p:cNvSpPr/>
-            <p:nvPr/>
-          </p:nvSpPr>
-          <p:spPr>
-            <a:xfrm>
-              <a:off x="4329131" y="5146535"/>
-              <a:ext cx="3429000" cy="451416"/>
-            </a:xfrm>
-            <a:prstGeom prst="rect">
-              <a:avLst/>
-            </a:prstGeom>
-            <a:ln/>
-          </p:spPr>
-          <p:style>
-            <a:lnRef idx="2">
-              <a:schemeClr val="accent2"/>
-            </a:lnRef>
-            <a:fillRef idx="1">
-              <a:schemeClr val="lt1"/>
-            </a:fillRef>
-            <a:effectRef idx="0">
-              <a:schemeClr val="accent2"/>
-            </a:effectRef>
-            <a:fontRef idx="minor">
-              <a:schemeClr val="dk1"/>
-            </a:fontRef>
-          </p:style>
-          <p:txBody>
-            <a:bodyPr rot="0" spcFirstLastPara="0" vertOverflow="overflow" horzOverflow="overflow" vert="horz" wrap="square" lIns="108000" tIns="108000" rIns="108000" bIns="108000" numCol="1" spcCol="0" rtlCol="0" fromWordArt="0" anchor="t" anchorCtr="0" forceAA="0" compatLnSpc="1">
-              <a:prstTxWarp prst="textNoShape">
-                <a:avLst/>
-              </a:prstTxWarp>
-              <a:noAutofit/>
-            </a:bodyPr>
-            <a:lstStyle/>
-            <a:p>
-              <a:pPr algn="ctr">
-                <a:spcBef>
-                  <a:spcPts val="100"/>
-                </a:spcBef>
-                <a:spcAft>
-                  <a:spcPts val="100"/>
-                </a:spcAft>
-              </a:pPr>
-              <a:r>
-                <a:rPr lang="en-US" sz="1400" dirty="0"/>
-                <a:t>Text Sentiment Checker</a:t>
-              </a:r>
-              <a:endParaRPr lang="en-ID" sz="1400" dirty="0"/>
-            </a:p>
-          </p:txBody>
-        </p:sp>
-      </p:grpSp>
-      <p:cxnSp>
-        <p:nvCxnSpPr>
-          <p:cNvPr id="27" name="Straight Arrow Connector 26">
-            <a:extLst>
-              <a:ext uri="{FF2B5EF4-FFF2-40B4-BE49-F238E27FC236}">
-                <a16:creationId xmlns:a16="http://schemas.microsoft.com/office/drawing/2014/main" id="{129FEB44-55D0-4E2E-9E2B-D464A57FC112}"/>
-              </a:ext>
-            </a:extLst>
-          </p:cNvPr>
-          <p:cNvCxnSpPr>
-            <a:cxnSpLocks/>
-            <a:stCxn id="9" idx="3"/>
-            <a:endCxn id="11" idx="1"/>
-          </p:cNvCxnSpPr>
-          <p:nvPr/>
-        </p:nvCxnSpPr>
-        <p:spPr>
-          <a:xfrm flipV="1">
-            <a:off x="3961605" y="2128185"/>
-            <a:ext cx="1447802" cy="1440515"/>
-          </a:xfrm>
-          <a:prstGeom prst="straightConnector1">
-            <a:avLst/>
-          </a:prstGeom>
-          <a:ln w="28575">
-            <a:tailEnd type="triangle"/>
-          </a:ln>
-        </p:spPr>
-        <p:style>
-          <a:lnRef idx="1">
-            <a:schemeClr val="accent1"/>
-          </a:lnRef>
-          <a:fillRef idx="0">
-            <a:schemeClr val="accent1"/>
-          </a:fillRef>
-          <a:effectRef idx="0">
-            <a:schemeClr val="accent1"/>
-          </a:effectRef>
-          <a:fontRef idx="minor">
-            <a:schemeClr val="tx1"/>
-          </a:fontRef>
-        </p:style>
-      </p:cxnSp>
-      <p:cxnSp>
-        <p:nvCxnSpPr>
-          <p:cNvPr id="28" name="Straight Arrow Connector 27">
-            <a:extLst>
-              <a:ext uri="{FF2B5EF4-FFF2-40B4-BE49-F238E27FC236}">
-                <a16:creationId xmlns:a16="http://schemas.microsoft.com/office/drawing/2014/main" id="{3B9D5435-D0B8-4C0E-B922-F82791A2887C}"/>
-              </a:ext>
-            </a:extLst>
-          </p:cNvPr>
-          <p:cNvCxnSpPr>
-            <a:cxnSpLocks/>
-            <a:stCxn id="9" idx="3"/>
-            <a:endCxn id="13" idx="1"/>
-          </p:cNvCxnSpPr>
-          <p:nvPr/>
-        </p:nvCxnSpPr>
-        <p:spPr>
-          <a:xfrm>
-            <a:off x="3961605" y="3568700"/>
-            <a:ext cx="1412241" cy="2339105"/>
-          </a:xfrm>
-          <a:prstGeom prst="straightConnector1">
-            <a:avLst/>
-          </a:prstGeom>
-          <a:ln w="28575">
-            <a:tailEnd type="triangle"/>
-          </a:ln>
-        </p:spPr>
-        <p:style>
-          <a:lnRef idx="1">
-            <a:schemeClr val="accent1"/>
-          </a:lnRef>
-          <a:fillRef idx="0">
-            <a:schemeClr val="accent1"/>
-          </a:fillRef>
-          <a:effectRef idx="0">
-            <a:schemeClr val="accent1"/>
-          </a:effectRef>
-          <a:fontRef idx="minor">
-            <a:schemeClr val="tx1"/>
-          </a:fontRef>
-        </p:style>
-      </p:cxnSp>
     </p:spTree>
     <p:extLst>
       <p:ext uri="{BB962C8B-B14F-4D97-AF65-F5344CB8AC3E}">
@@ -18328,7 +18801,7 @@
           <a:p>
             <a:fld id="{1153D9D2-4109-4658-A169-3AF16B615417}" type="datetime5">
               <a:rPr lang="en-US" smtClean="0"/>
-              <a:t>6-Mar-21</a:t>
+              <a:t>7-Mar-21</a:t>
             </a:fld>
             <a:endParaRPr lang="en-GB"/>
           </a:p>
@@ -18377,14 +18850,14 @@
           <p:nvPr>
             <p:extLst>
               <p:ext uri="{D42A27DB-BD31-4B8C-83A1-F6EECF244321}">
-                <p14:modId xmlns:p14="http://schemas.microsoft.com/office/powerpoint/2010/main" val="3384063016"/>
+                <p14:modId xmlns:p14="http://schemas.microsoft.com/office/powerpoint/2010/main" val="2868787619"/>
               </p:ext>
             </p:extLst>
           </p:nvPr>
         </p:nvGraphicFramePr>
         <p:xfrm>
-          <a:off x="0" y="1468879"/>
-          <a:ext cx="11581606" cy="4461580"/>
+          <a:off x="0" y="1130300"/>
+          <a:ext cx="11581606" cy="4800159"/>
         </p:xfrm>
         <a:graphic>
           <a:graphicData uri="http://schemas.openxmlformats.org/drawingml/2006/diagram">
@@ -18525,7 +18998,7 @@
           <a:p>
             <a:fld id="{1153D9D2-4109-4658-A169-3AF16B615417}" type="datetime5">
               <a:rPr lang="en-US" smtClean="0"/>
-              <a:t>6-Mar-21</a:t>
+              <a:t>7-Mar-21</a:t>
             </a:fld>
             <a:endParaRPr lang="en-GB"/>
           </a:p>
@@ -19541,7 +20014,7 @@
           <a:p>
             <a:fld id="{1153D9D2-4109-4658-A169-3AF16B615417}" type="datetime5">
               <a:rPr lang="en-US" smtClean="0"/>
-              <a:t>6-Mar-21</a:t>
+              <a:t>7-Mar-21</a:t>
             </a:fld>
             <a:endParaRPr lang="en-GB"/>
           </a:p>
@@ -19885,7 +20358,7 @@
           <a:p>
             <a:fld id="{1153D9D2-4109-4658-A169-3AF16B615417}" type="datetime5">
               <a:rPr lang="en-US" smtClean="0"/>
-              <a:t>6-Mar-21</a:t>
+              <a:t>7-Mar-21</a:t>
             </a:fld>
             <a:endParaRPr lang="en-GB"/>
           </a:p>
